--- a/iotsensor.pptx
+++ b/iotsensor.pptx
@@ -5,25 +5,29 @@
     <p:sldMasterId id="2147483648" r:id="rId4"/>
   </p:sldMasterIdLst>
   <p:notesMasterIdLst>
-    <p:notesMasterId r:id="rId18"/>
+    <p:notesMasterId r:id="rId22"/>
   </p:notesMasterIdLst>
   <p:handoutMasterIdLst>
-    <p:handoutMasterId r:id="rId19"/>
+    <p:handoutMasterId r:id="rId23"/>
   </p:handoutMasterIdLst>
   <p:sldIdLst>
     <p:sldId id="257" r:id="rId5"/>
-    <p:sldId id="262" r:id="rId6"/>
-    <p:sldId id="258" r:id="rId7"/>
-    <p:sldId id="275" r:id="rId8"/>
-    <p:sldId id="276" r:id="rId9"/>
-    <p:sldId id="269" r:id="rId10"/>
-    <p:sldId id="265" r:id="rId11"/>
-    <p:sldId id="264" r:id="rId12"/>
-    <p:sldId id="263" r:id="rId13"/>
-    <p:sldId id="273" r:id="rId14"/>
-    <p:sldId id="272" r:id="rId15"/>
-    <p:sldId id="274" r:id="rId16"/>
-    <p:sldId id="271" r:id="rId17"/>
+    <p:sldId id="258" r:id="rId6"/>
+    <p:sldId id="262" r:id="rId7"/>
+    <p:sldId id="278" r:id="rId8"/>
+    <p:sldId id="279" r:id="rId9"/>
+    <p:sldId id="280" r:id="rId10"/>
+    <p:sldId id="277" r:id="rId11"/>
+    <p:sldId id="275" r:id="rId12"/>
+    <p:sldId id="276" r:id="rId13"/>
+    <p:sldId id="269" r:id="rId14"/>
+    <p:sldId id="265" r:id="rId15"/>
+    <p:sldId id="264" r:id="rId16"/>
+    <p:sldId id="263" r:id="rId17"/>
+    <p:sldId id="273" r:id="rId18"/>
+    <p:sldId id="272" r:id="rId19"/>
+    <p:sldId id="274" r:id="rId20"/>
+    <p:sldId id="271" r:id="rId21"/>
   </p:sldIdLst>
   <p:sldSz cx="12192000" cy="6858000"/>
   <p:notesSz cx="6858000" cy="9144000"/>
@@ -227,7 +231,7 @@
           <a:p>
             <a:fld id="{B56F32FC-4BD9-442A-A8C6-51598C909FE3}" type="datetimeFigureOut">
               <a:rPr lang="en-US" smtClean="0"/>
-              <a:t>11/26/2023</a:t>
+              <a:t>12/6/2023</a:t>
             </a:fld>
             <a:endParaRPr lang="en-US" dirty="0"/>
           </a:p>
@@ -404,7 +408,7 @@
           <a:p>
             <a:fld id="{056371FA-A98D-41E8-93F4-09945841298A}" type="datetimeFigureOut">
               <a:rPr lang="en-US" smtClean="0"/>
-              <a:t>11/26/2023</a:t>
+              <a:t>12/6/2023</a:t>
             </a:fld>
             <a:endParaRPr lang="en-US" dirty="0"/>
           </a:p>
@@ -9809,210 +9813,6 @@
       </p:sp>
       <p:sp>
         <p:nvSpPr>
-          <p:cNvPr id="12" name="Subtitle 2">
-            <a:extLst>
-              <a:ext uri="{FF2B5EF4-FFF2-40B4-BE49-F238E27FC236}">
-                <a16:creationId xmlns:a16="http://schemas.microsoft.com/office/drawing/2014/main" id="{EEB7F051-41A7-8D35-9756-E79D23E46637}"/>
-              </a:ext>
-            </a:extLst>
-          </p:cNvPr>
-          <p:cNvSpPr txBox="1">
-            <a:spLocks/>
-          </p:cNvSpPr>
-          <p:nvPr/>
-        </p:nvSpPr>
-        <p:spPr>
-          <a:xfrm>
-            <a:off x="597160" y="4972115"/>
-            <a:ext cx="4941770" cy="396660"/>
-          </a:xfrm>
-          <a:prstGeom prst="rect">
-            <a:avLst/>
-          </a:prstGeom>
-        </p:spPr>
-        <p:txBody>
-          <a:bodyPr vert="horz" lIns="91440" tIns="45720" rIns="91440" bIns="45720" rtlCol="0">
-            <a:noAutofit/>
-          </a:bodyPr>
-          <a:lstStyle>
-            <a:lvl1pPr marL="0" indent="0" algn="l" defTabSz="914400" rtl="0" eaLnBrk="1" latinLnBrk="0" hangingPunct="1">
-              <a:lnSpc>
-                <a:spcPct val="150000"/>
-              </a:lnSpc>
-              <a:spcBef>
-                <a:spcPts val="1000"/>
-              </a:spcBef>
-              <a:buFont typeface="Arial" panose="020B0604020202020204" pitchFamily="34" charset="0"/>
-              <a:buNone/>
-              <a:defRPr sz="1400" kern="1200">
-                <a:solidFill>
-                  <a:schemeClr val="bg1"/>
-                </a:solidFill>
-                <a:latin typeface="+mn-lt"/>
-                <a:ea typeface="+mn-ea"/>
-                <a:cs typeface="+mn-cs"/>
-              </a:defRPr>
-            </a:lvl1pPr>
-            <a:lvl2pPr marL="457200" indent="0" algn="l" defTabSz="914400" rtl="0" eaLnBrk="1" latinLnBrk="0" hangingPunct="1">
-              <a:lnSpc>
-                <a:spcPct val="150000"/>
-              </a:lnSpc>
-              <a:spcBef>
-                <a:spcPts val="500"/>
-              </a:spcBef>
-              <a:buFont typeface="Arial" panose="020B0604020202020204" pitchFamily="34" charset="0"/>
-              <a:buNone/>
-              <a:defRPr sz="1400" kern="1200">
-                <a:solidFill>
-                  <a:schemeClr val="bg1"/>
-                </a:solidFill>
-                <a:latin typeface="+mn-lt"/>
-                <a:ea typeface="+mn-ea"/>
-                <a:cs typeface="+mn-cs"/>
-              </a:defRPr>
-            </a:lvl2pPr>
-            <a:lvl3pPr marL="914400" indent="0" algn="l" defTabSz="914400" rtl="0" eaLnBrk="1" latinLnBrk="0" hangingPunct="1">
-              <a:lnSpc>
-                <a:spcPct val="150000"/>
-              </a:lnSpc>
-              <a:spcBef>
-                <a:spcPts val="500"/>
-              </a:spcBef>
-              <a:buFont typeface="Arial" panose="020B0604020202020204" pitchFamily="34" charset="0"/>
-              <a:buNone/>
-              <a:defRPr sz="1400" kern="1200">
-                <a:solidFill>
-                  <a:schemeClr val="bg1"/>
-                </a:solidFill>
-                <a:latin typeface="+mn-lt"/>
-                <a:ea typeface="+mn-ea"/>
-                <a:cs typeface="+mn-cs"/>
-              </a:defRPr>
-            </a:lvl3pPr>
-            <a:lvl4pPr marL="1371600" indent="0" algn="l" defTabSz="914400" rtl="0" eaLnBrk="1" latinLnBrk="0" hangingPunct="1">
-              <a:lnSpc>
-                <a:spcPct val="150000"/>
-              </a:lnSpc>
-              <a:spcBef>
-                <a:spcPts val="500"/>
-              </a:spcBef>
-              <a:buFont typeface="Arial" panose="020B0604020202020204" pitchFamily="34" charset="0"/>
-              <a:buNone/>
-              <a:defRPr sz="1400" kern="1200">
-                <a:solidFill>
-                  <a:schemeClr val="bg1"/>
-                </a:solidFill>
-                <a:latin typeface="+mn-lt"/>
-                <a:ea typeface="+mn-ea"/>
-                <a:cs typeface="+mn-cs"/>
-              </a:defRPr>
-            </a:lvl4pPr>
-            <a:lvl5pPr marL="1828800" indent="0" algn="l" defTabSz="914400" rtl="0" eaLnBrk="1" latinLnBrk="0" hangingPunct="1">
-              <a:lnSpc>
-                <a:spcPct val="150000"/>
-              </a:lnSpc>
-              <a:spcBef>
-                <a:spcPts val="500"/>
-              </a:spcBef>
-              <a:buFont typeface="Arial" panose="020B0604020202020204" pitchFamily="34" charset="0"/>
-              <a:buNone/>
-              <a:defRPr sz="1400" kern="1200">
-                <a:solidFill>
-                  <a:schemeClr val="bg1"/>
-                </a:solidFill>
-                <a:latin typeface="+mn-lt"/>
-                <a:ea typeface="+mn-ea"/>
-                <a:cs typeface="+mn-cs"/>
-              </a:defRPr>
-            </a:lvl5pPr>
-            <a:lvl6pPr marL="2514600" indent="-228600" algn="l" defTabSz="914400" rtl="0" eaLnBrk="1" latinLnBrk="0" hangingPunct="1">
-              <a:lnSpc>
-                <a:spcPct val="90000"/>
-              </a:lnSpc>
-              <a:spcBef>
-                <a:spcPts val="500"/>
-              </a:spcBef>
-              <a:buFont typeface="Arial" panose="020B0604020202020204" pitchFamily="34" charset="0"/>
-              <a:buChar char="•"/>
-              <a:defRPr sz="1800" kern="1200">
-                <a:solidFill>
-                  <a:schemeClr val="tx1"/>
-                </a:solidFill>
-                <a:latin typeface="+mn-lt"/>
-                <a:ea typeface="+mn-ea"/>
-                <a:cs typeface="+mn-cs"/>
-              </a:defRPr>
-            </a:lvl6pPr>
-            <a:lvl7pPr marL="2971800" indent="-228600" algn="l" defTabSz="914400" rtl="0" eaLnBrk="1" latinLnBrk="0" hangingPunct="1">
-              <a:lnSpc>
-                <a:spcPct val="90000"/>
-              </a:lnSpc>
-              <a:spcBef>
-                <a:spcPts val="500"/>
-              </a:spcBef>
-              <a:buFont typeface="Arial" panose="020B0604020202020204" pitchFamily="34" charset="0"/>
-              <a:buChar char="•"/>
-              <a:defRPr sz="1800" kern="1200">
-                <a:solidFill>
-                  <a:schemeClr val="tx1"/>
-                </a:solidFill>
-                <a:latin typeface="+mn-lt"/>
-                <a:ea typeface="+mn-ea"/>
-                <a:cs typeface="+mn-cs"/>
-              </a:defRPr>
-            </a:lvl7pPr>
-            <a:lvl8pPr marL="3429000" indent="-228600" algn="l" defTabSz="914400" rtl="0" eaLnBrk="1" latinLnBrk="0" hangingPunct="1">
-              <a:lnSpc>
-                <a:spcPct val="90000"/>
-              </a:lnSpc>
-              <a:spcBef>
-                <a:spcPts val="500"/>
-              </a:spcBef>
-              <a:buFont typeface="Arial" panose="020B0604020202020204" pitchFamily="34" charset="0"/>
-              <a:buChar char="•"/>
-              <a:defRPr sz="1800" kern="1200">
-                <a:solidFill>
-                  <a:schemeClr val="tx1"/>
-                </a:solidFill>
-                <a:latin typeface="+mn-lt"/>
-                <a:ea typeface="+mn-ea"/>
-                <a:cs typeface="+mn-cs"/>
-              </a:defRPr>
-            </a:lvl8pPr>
-            <a:lvl9pPr marL="3886200" indent="-228600" algn="l" defTabSz="914400" rtl="0" eaLnBrk="1" latinLnBrk="0" hangingPunct="1">
-              <a:lnSpc>
-                <a:spcPct val="90000"/>
-              </a:lnSpc>
-              <a:spcBef>
-                <a:spcPts val="500"/>
-              </a:spcBef>
-              <a:buFont typeface="Arial" panose="020B0604020202020204" pitchFamily="34" charset="0"/>
-              <a:buChar char="•"/>
-              <a:defRPr sz="1800" kern="1200">
-                <a:solidFill>
-                  <a:schemeClr val="tx1"/>
-                </a:solidFill>
-                <a:latin typeface="+mn-lt"/>
-                <a:ea typeface="+mn-ea"/>
-                <a:cs typeface="+mn-cs"/>
-              </a:defRPr>
-            </a:lvl9pPr>
-          </a:lstStyle>
-          <a:p>
-            <a:r>
-              <a:rPr lang="en-US" sz="1800" dirty="0"/>
-              <a:t>Electrical Engineering, </a:t>
-            </a:r>
-            <a:r>
-              <a:rPr lang="en-US" sz="1800" dirty="0" err="1"/>
-              <a:t>UniDeb</a:t>
-            </a:r>
-            <a:endParaRPr lang="en-US" sz="1800" dirty="0"/>
-          </a:p>
-        </p:txBody>
-      </p:sp>
-      <p:sp>
-        <p:nvSpPr>
           <p:cNvPr id="14" name="TextBox 13">
             <a:extLst>
               <a:ext uri="{FF2B5EF4-FFF2-40B4-BE49-F238E27FC236}">
@@ -10025,7 +9825,7 @@
         </p:nvSpPr>
         <p:spPr>
           <a:xfrm>
-            <a:off x="597160" y="4708009"/>
+            <a:off x="597160" y="5165209"/>
             <a:ext cx="6097554" cy="369332"/>
           </a:xfrm>
           <a:prstGeom prst="rect">
@@ -10149,12 +9949,136 @@
           <a:chExt cx="0" cy="0"/>
         </a:xfrm>
       </p:grpSpPr>
+      <p:sp>
+        <p:nvSpPr>
+          <p:cNvPr id="9" name="Slide Number Placeholder 8">
+            <a:extLst>
+              <a:ext uri="{FF2B5EF4-FFF2-40B4-BE49-F238E27FC236}">
+                <a16:creationId xmlns:a16="http://schemas.microsoft.com/office/drawing/2014/main" id="{03091613-153A-4005-9F4D-2F185AE5F7BF}"/>
+              </a:ext>
+            </a:extLst>
+          </p:cNvPr>
+          <p:cNvSpPr>
+            <a:spLocks noGrp="1"/>
+          </p:cNvSpPr>
+          <p:nvPr>
+            <p:ph type="sldNum" sz="quarter" idx="12"/>
+          </p:nvPr>
+        </p:nvSpPr>
+        <p:spPr>
+          <a:xfrm>
+            <a:off x="8610600" y="6356350"/>
+            <a:ext cx="2743200" cy="365125"/>
+          </a:xfrm>
+        </p:spPr>
+        <p:txBody>
+          <a:bodyPr/>
+          <a:lstStyle/>
+          <a:p>
+            <a:fld id="{A49DFD55-3C28-40EF-9E31-A92D2E4017FF}" type="slidenum">
+              <a:rPr lang="en-US" smtClean="0"/>
+              <a:pPr/>
+              <a:t>10</a:t>
+            </a:fld>
+            <a:endParaRPr lang="en-US" dirty="0"/>
+          </a:p>
+        </p:txBody>
+      </p:sp>
+      <p:sp>
+        <p:nvSpPr>
+          <p:cNvPr id="10" name="Title 1">
+            <a:extLst>
+              <a:ext uri="{FF2B5EF4-FFF2-40B4-BE49-F238E27FC236}">
+                <a16:creationId xmlns:a16="http://schemas.microsoft.com/office/drawing/2014/main" id="{81484FFF-2BB8-5F82-50C0-ABB719BDFE0E}"/>
+              </a:ext>
+            </a:extLst>
+          </p:cNvPr>
+          <p:cNvSpPr txBox="1">
+            <a:spLocks/>
+          </p:cNvSpPr>
+          <p:nvPr/>
+        </p:nvSpPr>
+        <p:spPr>
+          <a:xfrm>
+            <a:off x="569166" y="619410"/>
+            <a:ext cx="10189029" cy="1019760"/>
+          </a:xfrm>
+          <a:prstGeom prst="rect">
+            <a:avLst/>
+          </a:prstGeom>
+        </p:spPr>
+        <p:txBody>
+          <a:bodyPr vert="horz" lIns="91440" tIns="45720" rIns="91440" bIns="45720" rtlCol="0" anchor="ctr">
+            <a:normAutofit/>
+          </a:bodyPr>
+          <a:lstStyle>
+            <a:lvl1pPr algn="ctr" defTabSz="914400" rtl="0" eaLnBrk="1" latinLnBrk="0" hangingPunct="1">
+              <a:lnSpc>
+                <a:spcPct val="90000"/>
+              </a:lnSpc>
+              <a:spcBef>
+                <a:spcPct val="0"/>
+              </a:spcBef>
+              <a:buNone/>
+              <a:defRPr lang="en-US" sz="2800" kern="1200" cap="all" spc="150" baseline="0" dirty="0">
+                <a:solidFill>
+                  <a:schemeClr val="tx1"/>
+                </a:solidFill>
+                <a:latin typeface="+mj-lt"/>
+                <a:ea typeface="+mj-ea"/>
+                <a:cs typeface="+mj-cs"/>
+              </a:defRPr>
+            </a:lvl1pPr>
+          </a:lstStyle>
+          <a:p>
+            <a:r>
+              <a:rPr lang="en-GB" dirty="0"/>
+              <a:t>WEB app on pc with AN extended chart view</a:t>
+            </a:r>
+          </a:p>
+        </p:txBody>
+      </p:sp>
+      <p:sp>
+        <p:nvSpPr>
+          <p:cNvPr id="13" name="TextBox 12">
+            <a:extLst>
+              <a:ext uri="{FF2B5EF4-FFF2-40B4-BE49-F238E27FC236}">
+                <a16:creationId xmlns:a16="http://schemas.microsoft.com/office/drawing/2014/main" id="{221AF979-B144-1C1D-F0D4-535E0C2441AC}"/>
+              </a:ext>
+            </a:extLst>
+          </p:cNvPr>
+          <p:cNvSpPr txBox="1"/>
+          <p:nvPr/>
+        </p:nvSpPr>
+        <p:spPr>
+          <a:xfrm>
+            <a:off x="2460950" y="6244126"/>
+            <a:ext cx="6190860" cy="369332"/>
+          </a:xfrm>
+          <a:prstGeom prst="rect">
+            <a:avLst/>
+          </a:prstGeom>
+          <a:noFill/>
+        </p:spPr>
+        <p:txBody>
+          <a:bodyPr wrap="square">
+            <a:spAutoFit/>
+          </a:bodyPr>
+          <a:lstStyle/>
+          <a:p>
+            <a:r>
+              <a:rPr lang="en-US" dirty="0"/>
+              <a:t>https://sensor-client-kappa.vercel.app/</a:t>
+            </a:r>
+          </a:p>
+        </p:txBody>
+      </p:sp>
       <p:pic>
         <p:nvPicPr>
-          <p:cNvPr id="2" name="Picture 1">
-            <a:extLst>
-              <a:ext uri="{FF2B5EF4-FFF2-40B4-BE49-F238E27FC236}">
-                <a16:creationId xmlns:a16="http://schemas.microsoft.com/office/drawing/2014/main" id="{626105CD-676B-187B-F5E8-4B046105712B}"/>
+          <p:cNvPr id="3" name="Picture 2">
+            <a:extLst>
+              <a:ext uri="{FF2B5EF4-FFF2-40B4-BE49-F238E27FC236}">
+                <a16:creationId xmlns:a16="http://schemas.microsoft.com/office/drawing/2014/main" id="{AC7305F8-D73A-195A-F04E-8DD1EE4AB560}"/>
               </a:ext>
             </a:extLst>
           </p:cNvPr>
@@ -10163,99 +10087,25 @@
           </p:cNvPicPr>
           <p:nvPr/>
         </p:nvPicPr>
-        <p:blipFill>
+        <p:blipFill rotWithShape="1">
           <a:blip r:embed="rId2"/>
-          <a:stretch>
-            <a:fillRect/>
-          </a:stretch>
+          <a:srcRect l="498" t="4246" b="5883"/>
+          <a:stretch/>
         </p:blipFill>
         <p:spPr>
           <a:xfrm>
-            <a:off x="3237333" y="168055"/>
-            <a:ext cx="5717333" cy="6521889"/>
+            <a:off x="1310610" y="1375749"/>
+            <a:ext cx="9211679" cy="4680000"/>
           </a:xfrm>
           <a:prstGeom prst="rect">
             <a:avLst/>
           </a:prstGeom>
         </p:spPr>
       </p:pic>
-      <p:sp>
-        <p:nvSpPr>
-          <p:cNvPr id="3" name="Title 1">
-            <a:extLst>
-              <a:ext uri="{FF2B5EF4-FFF2-40B4-BE49-F238E27FC236}">
-                <a16:creationId xmlns:a16="http://schemas.microsoft.com/office/drawing/2014/main" id="{1CBB2C5C-F8DA-BD13-2237-22170898B209}"/>
-              </a:ext>
-            </a:extLst>
-          </p:cNvPr>
-          <p:cNvSpPr>
-            <a:spLocks noGrp="1"/>
-          </p:cNvSpPr>
-          <p:nvPr>
-            <p:ph type="title"/>
-          </p:nvPr>
-        </p:nvSpPr>
-        <p:spPr>
-          <a:xfrm rot="16200000">
-            <a:off x="-782814" y="3049746"/>
-            <a:ext cx="6063941" cy="1019760"/>
-          </a:xfrm>
-        </p:spPr>
-        <p:txBody>
-          <a:bodyPr/>
-          <a:lstStyle/>
-          <a:p>
-            <a:r>
-              <a:rPr lang="en-GB" dirty="0"/>
-              <a:t>server script </a:t>
-            </a:r>
-            <a:endParaRPr lang="en-US" dirty="0"/>
-          </a:p>
-        </p:txBody>
-      </p:sp>
-      <p:sp>
-        <p:nvSpPr>
-          <p:cNvPr id="4" name="TextBox 3">
-            <a:extLst>
-              <a:ext uri="{FF2B5EF4-FFF2-40B4-BE49-F238E27FC236}">
-                <a16:creationId xmlns:a16="http://schemas.microsoft.com/office/drawing/2014/main" id="{E3C3E492-8964-D4FB-CAF4-040EE2578C9B}"/>
-              </a:ext>
-            </a:extLst>
-          </p:cNvPr>
-          <p:cNvSpPr txBox="1"/>
-          <p:nvPr/>
-        </p:nvSpPr>
-        <p:spPr>
-          <a:xfrm rot="16200000">
-            <a:off x="-272638" y="3374959"/>
-            <a:ext cx="4023827" cy="369332"/>
-          </a:xfrm>
-          <a:prstGeom prst="rect">
-            <a:avLst/>
-          </a:prstGeom>
-          <a:noFill/>
-        </p:spPr>
-        <p:txBody>
-          <a:bodyPr wrap="square">
-            <a:spAutoFit/>
-          </a:bodyPr>
-          <a:lstStyle/>
-          <a:p>
-            <a:pPr algn="l"/>
-            <a:r>
-              <a:rPr lang="en-US" b="0" i="0" dirty="0">
-                <a:effectLst/>
-                <a:latin typeface="-apple-system"/>
-              </a:rPr>
-              <a:t>https://github.com/ayo-ajayi/iot-sensor</a:t>
-            </a:r>
-          </a:p>
-        </p:txBody>
-      </p:sp>
     </p:spTree>
     <p:extLst>
       <p:ext uri="{BB962C8B-B14F-4D97-AF65-F5344CB8AC3E}">
-        <p14:creationId xmlns:p14="http://schemas.microsoft.com/office/powerpoint/2010/main" val="1795103312"/>
+        <p14:creationId xmlns:p14="http://schemas.microsoft.com/office/powerpoint/2010/main" val="2499682613"/>
       </p:ext>
     </p:extLst>
   </p:cSld>
@@ -10282,12 +10132,47 @@
           <a:chExt cx="0" cy="0"/>
         </a:xfrm>
       </p:grpSpPr>
+      <p:sp>
+        <p:nvSpPr>
+          <p:cNvPr id="6" name="Slide Number Placeholder 5">
+            <a:extLst>
+              <a:ext uri="{FF2B5EF4-FFF2-40B4-BE49-F238E27FC236}">
+                <a16:creationId xmlns:a16="http://schemas.microsoft.com/office/drawing/2014/main" id="{F2A39FA3-9AE3-4689-A469-B7D2DFCCC2D9}"/>
+              </a:ext>
+            </a:extLst>
+          </p:cNvPr>
+          <p:cNvSpPr>
+            <a:spLocks noGrp="1"/>
+          </p:cNvSpPr>
+          <p:nvPr>
+            <p:ph type="sldNum" sz="quarter" idx="12"/>
+          </p:nvPr>
+        </p:nvSpPr>
+        <p:spPr>
+          <a:xfrm>
+            <a:off x="9658350" y="6356350"/>
+            <a:ext cx="1695450" cy="365125"/>
+          </a:xfrm>
+        </p:spPr>
+        <p:txBody>
+          <a:bodyPr/>
+          <a:lstStyle/>
+          <a:p>
+            <a:fld id="{A49DFD55-3C28-40EF-9E31-A92D2E4017FF}" type="slidenum">
+              <a:rPr lang="en-US" smtClean="0"/>
+              <a:pPr/>
+              <a:t>11</a:t>
+            </a:fld>
+            <a:endParaRPr lang="en-US" dirty="0"/>
+          </a:p>
+        </p:txBody>
+      </p:sp>
       <p:pic>
         <p:nvPicPr>
-          <p:cNvPr id="328" name="Picture 327">
-            <a:extLst>
-              <a:ext uri="{FF2B5EF4-FFF2-40B4-BE49-F238E27FC236}">
-                <a16:creationId xmlns:a16="http://schemas.microsoft.com/office/drawing/2014/main" id="{A51CD5A1-AF22-92C0-A294-A08B929D2B13}"/>
+          <p:cNvPr id="11" name="Picture 10">
+            <a:extLst>
+              <a:ext uri="{FF2B5EF4-FFF2-40B4-BE49-F238E27FC236}">
+                <a16:creationId xmlns:a16="http://schemas.microsoft.com/office/drawing/2014/main" id="{985F16E7-E4E7-F10C-4DFF-8B8BABD58C57}"/>
               </a:ext>
             </a:extLst>
           </p:cNvPr>
@@ -10304,8 +10189,8 @@
         </p:blipFill>
         <p:spPr>
           <a:xfrm>
-            <a:off x="3449911" y="214604"/>
-            <a:ext cx="5292177" cy="6428792"/>
+            <a:off x="1919762" y="1464905"/>
+            <a:ext cx="10272237" cy="4831057"/>
           </a:xfrm>
           <a:prstGeom prst="rect">
             <a:avLst/>
@@ -10314,10 +10199,10 @@
       </p:pic>
       <p:sp>
         <p:nvSpPr>
-          <p:cNvPr id="2" name="Title 1">
-            <a:extLst>
-              <a:ext uri="{FF2B5EF4-FFF2-40B4-BE49-F238E27FC236}">
-                <a16:creationId xmlns:a16="http://schemas.microsoft.com/office/drawing/2014/main" id="{4ED8C0F8-1D25-3993-75A3-340367A958AF}"/>
+          <p:cNvPr id="12" name="Title 1">
+            <a:extLst>
+              <a:ext uri="{FF2B5EF4-FFF2-40B4-BE49-F238E27FC236}">
+                <a16:creationId xmlns:a16="http://schemas.microsoft.com/office/drawing/2014/main" id="{074EE500-5BC6-C4F5-C47E-3116B2D53031}"/>
               </a:ext>
             </a:extLst>
           </p:cNvPr>
@@ -10329,66 +10214,37 @@
           </p:nvPr>
         </p:nvSpPr>
         <p:spPr>
-          <a:xfrm rot="16200000">
-            <a:off x="47610" y="2947109"/>
-            <a:ext cx="6063941" cy="1019760"/>
-          </a:xfrm>
-        </p:spPr>
-        <p:txBody>
-          <a:bodyPr/>
-          <a:lstStyle/>
-          <a:p>
-            <a:r>
-              <a:rPr lang="en-GB" dirty="0"/>
-              <a:t>Web app script </a:t>
-            </a:r>
-            <a:endParaRPr lang="en-US" dirty="0"/>
-          </a:p>
-        </p:txBody>
-      </p:sp>
-      <p:sp>
-        <p:nvSpPr>
-          <p:cNvPr id="3" name="TextBox 2">
-            <a:extLst>
-              <a:ext uri="{FF2B5EF4-FFF2-40B4-BE49-F238E27FC236}">
-                <a16:creationId xmlns:a16="http://schemas.microsoft.com/office/drawing/2014/main" id="{2B44E6F4-7A23-16CF-0827-5D65D75D4CA4}"/>
-              </a:ext>
-            </a:extLst>
-          </p:cNvPr>
-          <p:cNvSpPr txBox="1"/>
-          <p:nvPr/>
-        </p:nvSpPr>
-        <p:spPr>
-          <a:xfrm rot="16200000">
-            <a:off x="617373" y="2974912"/>
-            <a:ext cx="4023827" cy="369332"/>
-          </a:xfrm>
-          <a:prstGeom prst="rect">
-            <a:avLst/>
-          </a:prstGeom>
-          <a:noFill/>
-        </p:spPr>
-        <p:txBody>
-          <a:bodyPr wrap="square">
-            <a:spAutoFit/>
+          <a:xfrm>
+            <a:off x="1772816" y="562038"/>
+            <a:ext cx="9171992" cy="743536"/>
+          </a:xfrm>
+        </p:spPr>
+        <p:txBody>
+          <a:bodyPr>
+            <a:normAutofit fontScale="90000"/>
           </a:bodyPr>
           <a:lstStyle/>
           <a:p>
-            <a:pPr algn="l"/>
-            <a:r>
-              <a:rPr lang="en-US" b="0" i="0" dirty="0">
-                <a:effectLst/>
-                <a:latin typeface="-apple-system"/>
-              </a:rPr>
-              <a:t>https://github.com/ayo-ajayi/iot-sensor</a:t>
-            </a:r>
+            <a:r>
+              <a:rPr lang="en-GB" dirty="0"/>
+              <a:t>JLCPCB PCB ordering process using </a:t>
+            </a:r>
+            <a:r>
+              <a:rPr lang="en-GB" dirty="0" err="1"/>
+              <a:t>gerber</a:t>
+            </a:r>
+            <a:r>
+              <a:rPr lang="en-GB" dirty="0"/>
+              <a:t> file</a:t>
+            </a:r>
+            <a:endParaRPr lang="en-US" dirty="0"/>
           </a:p>
         </p:txBody>
       </p:sp>
     </p:spTree>
     <p:extLst>
       <p:ext uri="{BB962C8B-B14F-4D97-AF65-F5344CB8AC3E}">
-        <p14:creationId xmlns:p14="http://schemas.microsoft.com/office/powerpoint/2010/main" val="3341696240"/>
+        <p14:creationId xmlns:p14="http://schemas.microsoft.com/office/powerpoint/2010/main" val="744379741"/>
       </p:ext>
     </p:extLst>
   </p:cSld>
@@ -10415,12 +10271,42 @@
           <a:chExt cx="0" cy="0"/>
         </a:xfrm>
       </p:grpSpPr>
-      <p:sp>
-        <p:nvSpPr>
-          <p:cNvPr id="2" name="Title 1">
-            <a:extLst>
-              <a:ext uri="{FF2B5EF4-FFF2-40B4-BE49-F238E27FC236}">
-                <a16:creationId xmlns:a16="http://schemas.microsoft.com/office/drawing/2014/main" id="{4518FC28-E0BD-4387-B8BE-9965D1A57FF1}"/>
+      <p:pic>
+        <p:nvPicPr>
+          <p:cNvPr id="46" name="Picture 45">
+            <a:extLst>
+              <a:ext uri="{FF2B5EF4-FFF2-40B4-BE49-F238E27FC236}">
+                <a16:creationId xmlns:a16="http://schemas.microsoft.com/office/drawing/2014/main" id="{3E2B3CD2-C09A-151A-FCB0-D01F3688BF6A}"/>
+              </a:ext>
+            </a:extLst>
+          </p:cNvPr>
+          <p:cNvPicPr>
+            <a:picLocks noChangeAspect="1"/>
+          </p:cNvPicPr>
+          <p:nvPr/>
+        </p:nvPicPr>
+        <p:blipFill>
+          <a:blip r:embed="rId2"/>
+          <a:stretch>
+            <a:fillRect/>
+          </a:stretch>
+        </p:blipFill>
+        <p:spPr>
+          <a:xfrm>
+            <a:off x="1980843" y="163547"/>
+            <a:ext cx="8230313" cy="6530906"/>
+          </a:xfrm>
+          <a:prstGeom prst="rect">
+            <a:avLst/>
+          </a:prstGeom>
+        </p:spPr>
+      </p:pic>
+      <p:sp>
+        <p:nvSpPr>
+          <p:cNvPr id="47" name="Title 1">
+            <a:extLst>
+              <a:ext uri="{FF2B5EF4-FFF2-40B4-BE49-F238E27FC236}">
+                <a16:creationId xmlns:a16="http://schemas.microsoft.com/office/drawing/2014/main" id="{64BCDA2B-67F8-1C9A-E87E-CBF7079EEB1F}"/>
               </a:ext>
             </a:extLst>
           </p:cNvPr>
@@ -10433,8 +10319,8 @@
         </p:nvSpPr>
         <p:spPr>
           <a:xfrm>
-            <a:off x="5476875" y="1671639"/>
-            <a:ext cx="5111750" cy="1204912"/>
+            <a:off x="1455575" y="136525"/>
+            <a:ext cx="8322907" cy="1019760"/>
           </a:xfrm>
         </p:spPr>
         <p:txBody>
@@ -10442,71 +10328,20 @@
           <a:lstStyle/>
           <a:p>
             <a:r>
-              <a:rPr lang="en-US" dirty="0"/>
-              <a:t>Software used for project:</a:t>
-            </a:r>
-          </a:p>
-        </p:txBody>
-      </p:sp>
-      <p:sp>
-        <p:nvSpPr>
-          <p:cNvPr id="3" name="Text Placeholder 2">
-            <a:extLst>
-              <a:ext uri="{FF2B5EF4-FFF2-40B4-BE49-F238E27FC236}">
-                <a16:creationId xmlns:a16="http://schemas.microsoft.com/office/drawing/2014/main" id="{FED19BCA-B61F-4EA6-A1FB-CCA3BD8506FB}"/>
-              </a:ext>
-            </a:extLst>
-          </p:cNvPr>
-          <p:cNvSpPr>
-            <a:spLocks noGrp="1"/>
-          </p:cNvSpPr>
-          <p:nvPr>
-            <p:ph type="body" idx="1"/>
-          </p:nvPr>
-        </p:nvSpPr>
-        <p:spPr>
-          <a:xfrm>
-            <a:off x="5476875" y="3660774"/>
-            <a:ext cx="5111750" cy="1525588"/>
-          </a:xfrm>
-        </p:spPr>
-        <p:txBody>
-          <a:bodyPr>
-            <a:normAutofit fontScale="92500" lnSpcReduction="10000"/>
-          </a:bodyPr>
-          <a:lstStyle/>
-          <a:p>
+              <a:rPr lang="en-GB" dirty="0"/>
+              <a:t>3d view of the 2-layer </a:t>
+            </a:r>
             <a:r>
               <a:rPr lang="en-GB" dirty="0" err="1"/>
-              <a:t>PlatformIO</a:t>
+              <a:t>pcb</a:t>
             </a:r>
             <a:r>
               <a:rPr lang="en-GB" dirty="0"/>
-              <a:t> [C++] – Microcontroller programming</a:t>
-            </a:r>
-          </a:p>
-          <a:p>
-            <a:r>
-              <a:rPr lang="en-GB" dirty="0"/>
-              <a:t>Golang – Server Development</a:t>
-            </a:r>
-          </a:p>
-          <a:p>
-            <a:r>
-              <a:rPr lang="en-GB" dirty="0"/>
-              <a:t>ReactJS – Client/Web Interface</a:t>
-            </a:r>
-          </a:p>
-          <a:p>
-            <a:r>
-              <a:rPr lang="en-GB" dirty="0"/>
-              <a:t>MongoDB – Database for storing data</a:t>
-            </a:r>
-          </a:p>
-          <a:p>
-            <a:r>
-              <a:rPr lang="en-GB" dirty="0"/>
-              <a:t>Fritzing – PCB Design</a:t>
+              <a:t> on </a:t>
+            </a:r>
+            <a:r>
+              <a:rPr lang="en-GB" dirty="0" err="1"/>
+              <a:t>jlcpcb</a:t>
             </a:r>
             <a:endParaRPr lang="en-US" dirty="0"/>
           </a:p>
@@ -10515,7 +10350,7 @@
     </p:spTree>
     <p:extLst>
       <p:ext uri="{BB962C8B-B14F-4D97-AF65-F5344CB8AC3E}">
-        <p14:creationId xmlns:p14="http://schemas.microsoft.com/office/powerpoint/2010/main" val="655578597"/>
+        <p14:creationId xmlns:p14="http://schemas.microsoft.com/office/powerpoint/2010/main" val="2619301236"/>
       </p:ext>
     </p:extLst>
   </p:cSld>
@@ -10542,6 +10377,532 @@
           <a:chExt cx="0" cy="0"/>
         </a:xfrm>
       </p:grpSpPr>
+      <p:pic>
+        <p:nvPicPr>
+          <p:cNvPr id="329" name="Picture 328">
+            <a:extLst>
+              <a:ext uri="{FF2B5EF4-FFF2-40B4-BE49-F238E27FC236}">
+                <a16:creationId xmlns:a16="http://schemas.microsoft.com/office/drawing/2014/main" id="{BB3622CA-49F9-6B0B-B456-F4390A2B98F0}"/>
+              </a:ext>
+            </a:extLst>
+          </p:cNvPr>
+          <p:cNvPicPr>
+            <a:picLocks noChangeAspect="1"/>
+          </p:cNvPicPr>
+          <p:nvPr/>
+        </p:nvPicPr>
+        <p:blipFill>
+          <a:blip r:embed="rId2"/>
+          <a:stretch>
+            <a:fillRect/>
+          </a:stretch>
+        </p:blipFill>
+        <p:spPr>
+          <a:xfrm>
+            <a:off x="3714541" y="205272"/>
+            <a:ext cx="4762918" cy="6503437"/>
+          </a:xfrm>
+          <a:prstGeom prst="rect">
+            <a:avLst/>
+          </a:prstGeom>
+        </p:spPr>
+      </p:pic>
+      <p:sp>
+        <p:nvSpPr>
+          <p:cNvPr id="330" name="Title 1">
+            <a:extLst>
+              <a:ext uri="{FF2B5EF4-FFF2-40B4-BE49-F238E27FC236}">
+                <a16:creationId xmlns:a16="http://schemas.microsoft.com/office/drawing/2014/main" id="{6378BCA1-E339-A03A-9C6B-0FFE43F15C30}"/>
+              </a:ext>
+            </a:extLst>
+          </p:cNvPr>
+          <p:cNvSpPr>
+            <a:spLocks noGrp="1"/>
+          </p:cNvSpPr>
+          <p:nvPr>
+            <p:ph type="title"/>
+          </p:nvPr>
+        </p:nvSpPr>
+        <p:spPr>
+          <a:xfrm rot="16200000">
+            <a:off x="47610" y="2947109"/>
+            <a:ext cx="6063941" cy="1019760"/>
+          </a:xfrm>
+        </p:spPr>
+        <p:txBody>
+          <a:bodyPr/>
+          <a:lstStyle/>
+          <a:p>
+            <a:r>
+              <a:rPr lang="en-GB" dirty="0"/>
+              <a:t>Firmware script </a:t>
+            </a:r>
+            <a:endParaRPr lang="en-US" dirty="0"/>
+          </a:p>
+        </p:txBody>
+      </p:sp>
+      <p:sp>
+        <p:nvSpPr>
+          <p:cNvPr id="332" name="TextBox 331">
+            <a:extLst>
+              <a:ext uri="{FF2B5EF4-FFF2-40B4-BE49-F238E27FC236}">
+                <a16:creationId xmlns:a16="http://schemas.microsoft.com/office/drawing/2014/main" id="{1039CB41-E1B4-1940-CD16-44F0A87A2347}"/>
+              </a:ext>
+            </a:extLst>
+          </p:cNvPr>
+          <p:cNvSpPr txBox="1"/>
+          <p:nvPr/>
+        </p:nvSpPr>
+        <p:spPr>
+          <a:xfrm rot="16200000">
+            <a:off x="617373" y="2974912"/>
+            <a:ext cx="4023827" cy="369332"/>
+          </a:xfrm>
+          <a:prstGeom prst="rect">
+            <a:avLst/>
+          </a:prstGeom>
+          <a:noFill/>
+        </p:spPr>
+        <p:txBody>
+          <a:bodyPr wrap="square">
+            <a:spAutoFit/>
+          </a:bodyPr>
+          <a:lstStyle/>
+          <a:p>
+            <a:pPr algn="l"/>
+            <a:r>
+              <a:rPr lang="en-US" b="0" i="0" dirty="0">
+                <a:effectLst/>
+                <a:latin typeface="-apple-system"/>
+              </a:rPr>
+              <a:t>https://github.com/ayo-ajayi/iot-sensor</a:t>
+            </a:r>
+          </a:p>
+        </p:txBody>
+      </p:sp>
+    </p:spTree>
+    <p:extLst>
+      <p:ext uri="{BB962C8B-B14F-4D97-AF65-F5344CB8AC3E}">
+        <p14:creationId xmlns:p14="http://schemas.microsoft.com/office/powerpoint/2010/main" val="4055079983"/>
+      </p:ext>
+    </p:extLst>
+  </p:cSld>
+  <p:clrMapOvr>
+    <a:masterClrMapping/>
+  </p:clrMapOvr>
+</p:sld>
+</file>
+
+<file path=ppt/slides/slide14.xml><?xml version="1.0" encoding="utf-8"?>
+<p:sld xmlns:a="http://schemas.openxmlformats.org/drawingml/2006/main" xmlns:r="http://schemas.openxmlformats.org/officeDocument/2006/relationships" xmlns:p="http://schemas.openxmlformats.org/presentationml/2006/main">
+  <p:cSld>
+    <p:spTree>
+      <p:nvGrpSpPr>
+        <p:cNvPr id="1" name=""/>
+        <p:cNvGrpSpPr/>
+        <p:nvPr/>
+      </p:nvGrpSpPr>
+      <p:grpSpPr>
+        <a:xfrm>
+          <a:off x="0" y="0"/>
+          <a:ext cx="0" cy="0"/>
+          <a:chOff x="0" y="0"/>
+          <a:chExt cx="0" cy="0"/>
+        </a:xfrm>
+      </p:grpSpPr>
+      <p:pic>
+        <p:nvPicPr>
+          <p:cNvPr id="2" name="Picture 1">
+            <a:extLst>
+              <a:ext uri="{FF2B5EF4-FFF2-40B4-BE49-F238E27FC236}">
+                <a16:creationId xmlns:a16="http://schemas.microsoft.com/office/drawing/2014/main" id="{626105CD-676B-187B-F5E8-4B046105712B}"/>
+              </a:ext>
+            </a:extLst>
+          </p:cNvPr>
+          <p:cNvPicPr>
+            <a:picLocks noChangeAspect="1"/>
+          </p:cNvPicPr>
+          <p:nvPr/>
+        </p:nvPicPr>
+        <p:blipFill>
+          <a:blip r:embed="rId2"/>
+          <a:stretch>
+            <a:fillRect/>
+          </a:stretch>
+        </p:blipFill>
+        <p:spPr>
+          <a:xfrm>
+            <a:off x="3237333" y="168055"/>
+            <a:ext cx="5717333" cy="6521889"/>
+          </a:xfrm>
+          <a:prstGeom prst="rect">
+            <a:avLst/>
+          </a:prstGeom>
+        </p:spPr>
+      </p:pic>
+      <p:sp>
+        <p:nvSpPr>
+          <p:cNvPr id="3" name="Title 1">
+            <a:extLst>
+              <a:ext uri="{FF2B5EF4-FFF2-40B4-BE49-F238E27FC236}">
+                <a16:creationId xmlns:a16="http://schemas.microsoft.com/office/drawing/2014/main" id="{1CBB2C5C-F8DA-BD13-2237-22170898B209}"/>
+              </a:ext>
+            </a:extLst>
+          </p:cNvPr>
+          <p:cNvSpPr>
+            <a:spLocks noGrp="1"/>
+          </p:cNvSpPr>
+          <p:nvPr>
+            <p:ph type="title"/>
+          </p:nvPr>
+        </p:nvSpPr>
+        <p:spPr>
+          <a:xfrm rot="16200000">
+            <a:off x="-782814" y="3049746"/>
+            <a:ext cx="6063941" cy="1019760"/>
+          </a:xfrm>
+        </p:spPr>
+        <p:txBody>
+          <a:bodyPr/>
+          <a:lstStyle/>
+          <a:p>
+            <a:r>
+              <a:rPr lang="en-GB" dirty="0"/>
+              <a:t>server script </a:t>
+            </a:r>
+            <a:endParaRPr lang="en-US" dirty="0"/>
+          </a:p>
+        </p:txBody>
+      </p:sp>
+      <p:sp>
+        <p:nvSpPr>
+          <p:cNvPr id="4" name="TextBox 3">
+            <a:extLst>
+              <a:ext uri="{FF2B5EF4-FFF2-40B4-BE49-F238E27FC236}">
+                <a16:creationId xmlns:a16="http://schemas.microsoft.com/office/drawing/2014/main" id="{E3C3E492-8964-D4FB-CAF4-040EE2578C9B}"/>
+              </a:ext>
+            </a:extLst>
+          </p:cNvPr>
+          <p:cNvSpPr txBox="1"/>
+          <p:nvPr/>
+        </p:nvSpPr>
+        <p:spPr>
+          <a:xfrm rot="16200000">
+            <a:off x="-272638" y="3374959"/>
+            <a:ext cx="4023827" cy="369332"/>
+          </a:xfrm>
+          <a:prstGeom prst="rect">
+            <a:avLst/>
+          </a:prstGeom>
+          <a:noFill/>
+        </p:spPr>
+        <p:txBody>
+          <a:bodyPr wrap="square">
+            <a:spAutoFit/>
+          </a:bodyPr>
+          <a:lstStyle/>
+          <a:p>
+            <a:pPr algn="l"/>
+            <a:r>
+              <a:rPr lang="en-US" b="0" i="0" dirty="0">
+                <a:effectLst/>
+                <a:latin typeface="-apple-system"/>
+              </a:rPr>
+              <a:t>https://github.com/ayo-ajayi/iot-sensor</a:t>
+            </a:r>
+          </a:p>
+        </p:txBody>
+      </p:sp>
+    </p:spTree>
+    <p:extLst>
+      <p:ext uri="{BB962C8B-B14F-4D97-AF65-F5344CB8AC3E}">
+        <p14:creationId xmlns:p14="http://schemas.microsoft.com/office/powerpoint/2010/main" val="1795103312"/>
+      </p:ext>
+    </p:extLst>
+  </p:cSld>
+  <p:clrMapOvr>
+    <a:masterClrMapping/>
+  </p:clrMapOvr>
+</p:sld>
+</file>
+
+<file path=ppt/slides/slide15.xml><?xml version="1.0" encoding="utf-8"?>
+<p:sld xmlns:a="http://schemas.openxmlformats.org/drawingml/2006/main" xmlns:r="http://schemas.openxmlformats.org/officeDocument/2006/relationships" xmlns:p="http://schemas.openxmlformats.org/presentationml/2006/main">
+  <p:cSld>
+    <p:spTree>
+      <p:nvGrpSpPr>
+        <p:cNvPr id="1" name=""/>
+        <p:cNvGrpSpPr/>
+        <p:nvPr/>
+      </p:nvGrpSpPr>
+      <p:grpSpPr>
+        <a:xfrm>
+          <a:off x="0" y="0"/>
+          <a:ext cx="0" cy="0"/>
+          <a:chOff x="0" y="0"/>
+          <a:chExt cx="0" cy="0"/>
+        </a:xfrm>
+      </p:grpSpPr>
+      <p:pic>
+        <p:nvPicPr>
+          <p:cNvPr id="328" name="Picture 327">
+            <a:extLst>
+              <a:ext uri="{FF2B5EF4-FFF2-40B4-BE49-F238E27FC236}">
+                <a16:creationId xmlns:a16="http://schemas.microsoft.com/office/drawing/2014/main" id="{A51CD5A1-AF22-92C0-A294-A08B929D2B13}"/>
+              </a:ext>
+            </a:extLst>
+          </p:cNvPr>
+          <p:cNvPicPr>
+            <a:picLocks noChangeAspect="1"/>
+          </p:cNvPicPr>
+          <p:nvPr/>
+        </p:nvPicPr>
+        <p:blipFill>
+          <a:blip r:embed="rId2"/>
+          <a:stretch>
+            <a:fillRect/>
+          </a:stretch>
+        </p:blipFill>
+        <p:spPr>
+          <a:xfrm>
+            <a:off x="3449911" y="214604"/>
+            <a:ext cx="5292177" cy="6428792"/>
+          </a:xfrm>
+          <a:prstGeom prst="rect">
+            <a:avLst/>
+          </a:prstGeom>
+        </p:spPr>
+      </p:pic>
+      <p:sp>
+        <p:nvSpPr>
+          <p:cNvPr id="2" name="Title 1">
+            <a:extLst>
+              <a:ext uri="{FF2B5EF4-FFF2-40B4-BE49-F238E27FC236}">
+                <a16:creationId xmlns:a16="http://schemas.microsoft.com/office/drawing/2014/main" id="{4ED8C0F8-1D25-3993-75A3-340367A958AF}"/>
+              </a:ext>
+            </a:extLst>
+          </p:cNvPr>
+          <p:cNvSpPr>
+            <a:spLocks noGrp="1"/>
+          </p:cNvSpPr>
+          <p:nvPr>
+            <p:ph type="title"/>
+          </p:nvPr>
+        </p:nvSpPr>
+        <p:spPr>
+          <a:xfrm rot="16200000">
+            <a:off x="47610" y="2947109"/>
+            <a:ext cx="6063941" cy="1019760"/>
+          </a:xfrm>
+        </p:spPr>
+        <p:txBody>
+          <a:bodyPr/>
+          <a:lstStyle/>
+          <a:p>
+            <a:r>
+              <a:rPr lang="en-GB" dirty="0"/>
+              <a:t>Web app script </a:t>
+            </a:r>
+            <a:endParaRPr lang="en-US" dirty="0"/>
+          </a:p>
+        </p:txBody>
+      </p:sp>
+      <p:sp>
+        <p:nvSpPr>
+          <p:cNvPr id="3" name="TextBox 2">
+            <a:extLst>
+              <a:ext uri="{FF2B5EF4-FFF2-40B4-BE49-F238E27FC236}">
+                <a16:creationId xmlns:a16="http://schemas.microsoft.com/office/drawing/2014/main" id="{2B44E6F4-7A23-16CF-0827-5D65D75D4CA4}"/>
+              </a:ext>
+            </a:extLst>
+          </p:cNvPr>
+          <p:cNvSpPr txBox="1"/>
+          <p:nvPr/>
+        </p:nvSpPr>
+        <p:spPr>
+          <a:xfrm rot="16200000">
+            <a:off x="617373" y="2974912"/>
+            <a:ext cx="4023827" cy="369332"/>
+          </a:xfrm>
+          <a:prstGeom prst="rect">
+            <a:avLst/>
+          </a:prstGeom>
+          <a:noFill/>
+        </p:spPr>
+        <p:txBody>
+          <a:bodyPr wrap="square">
+            <a:spAutoFit/>
+          </a:bodyPr>
+          <a:lstStyle/>
+          <a:p>
+            <a:pPr algn="l"/>
+            <a:r>
+              <a:rPr lang="en-US" b="0" i="0" dirty="0">
+                <a:effectLst/>
+                <a:latin typeface="-apple-system"/>
+              </a:rPr>
+              <a:t>https://github.com/ayo-ajayi/iot-sensor</a:t>
+            </a:r>
+          </a:p>
+        </p:txBody>
+      </p:sp>
+    </p:spTree>
+    <p:extLst>
+      <p:ext uri="{BB962C8B-B14F-4D97-AF65-F5344CB8AC3E}">
+        <p14:creationId xmlns:p14="http://schemas.microsoft.com/office/powerpoint/2010/main" val="3341696240"/>
+      </p:ext>
+    </p:extLst>
+  </p:cSld>
+  <p:clrMapOvr>
+    <a:masterClrMapping/>
+  </p:clrMapOvr>
+</p:sld>
+</file>
+
+<file path=ppt/slides/slide16.xml><?xml version="1.0" encoding="utf-8"?>
+<p:sld xmlns:a="http://schemas.openxmlformats.org/drawingml/2006/main" xmlns:r="http://schemas.openxmlformats.org/officeDocument/2006/relationships" xmlns:p="http://schemas.openxmlformats.org/presentationml/2006/main">
+  <p:cSld>
+    <p:spTree>
+      <p:nvGrpSpPr>
+        <p:cNvPr id="1" name=""/>
+        <p:cNvGrpSpPr/>
+        <p:nvPr/>
+      </p:nvGrpSpPr>
+      <p:grpSpPr>
+        <a:xfrm>
+          <a:off x="0" y="0"/>
+          <a:ext cx="0" cy="0"/>
+          <a:chOff x="0" y="0"/>
+          <a:chExt cx="0" cy="0"/>
+        </a:xfrm>
+      </p:grpSpPr>
+      <p:sp>
+        <p:nvSpPr>
+          <p:cNvPr id="2" name="Title 1">
+            <a:extLst>
+              <a:ext uri="{FF2B5EF4-FFF2-40B4-BE49-F238E27FC236}">
+                <a16:creationId xmlns:a16="http://schemas.microsoft.com/office/drawing/2014/main" id="{4518FC28-E0BD-4387-B8BE-9965D1A57FF1}"/>
+              </a:ext>
+            </a:extLst>
+          </p:cNvPr>
+          <p:cNvSpPr>
+            <a:spLocks noGrp="1"/>
+          </p:cNvSpPr>
+          <p:nvPr>
+            <p:ph type="title"/>
+          </p:nvPr>
+        </p:nvSpPr>
+        <p:spPr>
+          <a:xfrm>
+            <a:off x="5476875" y="1671639"/>
+            <a:ext cx="5111750" cy="1204912"/>
+          </a:xfrm>
+        </p:spPr>
+        <p:txBody>
+          <a:bodyPr/>
+          <a:lstStyle/>
+          <a:p>
+            <a:r>
+              <a:rPr lang="en-US" dirty="0"/>
+              <a:t>Software used for project:</a:t>
+            </a:r>
+          </a:p>
+        </p:txBody>
+      </p:sp>
+      <p:sp>
+        <p:nvSpPr>
+          <p:cNvPr id="3" name="Text Placeholder 2">
+            <a:extLst>
+              <a:ext uri="{FF2B5EF4-FFF2-40B4-BE49-F238E27FC236}">
+                <a16:creationId xmlns:a16="http://schemas.microsoft.com/office/drawing/2014/main" id="{FED19BCA-B61F-4EA6-A1FB-CCA3BD8506FB}"/>
+              </a:ext>
+            </a:extLst>
+          </p:cNvPr>
+          <p:cNvSpPr>
+            <a:spLocks noGrp="1"/>
+          </p:cNvSpPr>
+          <p:nvPr>
+            <p:ph type="body" idx="1"/>
+          </p:nvPr>
+        </p:nvSpPr>
+        <p:spPr>
+          <a:xfrm>
+            <a:off x="5476875" y="3660774"/>
+            <a:ext cx="5111750" cy="1525588"/>
+          </a:xfrm>
+        </p:spPr>
+        <p:txBody>
+          <a:bodyPr>
+            <a:normAutofit fontScale="92500" lnSpcReduction="10000"/>
+          </a:bodyPr>
+          <a:lstStyle/>
+          <a:p>
+            <a:r>
+              <a:rPr lang="en-GB" dirty="0" err="1"/>
+              <a:t>PlatformIO</a:t>
+            </a:r>
+            <a:r>
+              <a:rPr lang="en-GB" dirty="0"/>
+              <a:t> [C++] – Microcontroller programming</a:t>
+            </a:r>
+          </a:p>
+          <a:p>
+            <a:r>
+              <a:rPr lang="en-GB" dirty="0"/>
+              <a:t>Golang – Server Development</a:t>
+            </a:r>
+          </a:p>
+          <a:p>
+            <a:r>
+              <a:rPr lang="en-GB" dirty="0"/>
+              <a:t>ReactJS – Client/Web Interface</a:t>
+            </a:r>
+          </a:p>
+          <a:p>
+            <a:r>
+              <a:rPr lang="en-GB" dirty="0"/>
+              <a:t>MongoDB – Database for storing data</a:t>
+            </a:r>
+          </a:p>
+          <a:p>
+            <a:r>
+              <a:rPr lang="en-GB" dirty="0"/>
+              <a:t>Fritzing – PCB Design</a:t>
+            </a:r>
+            <a:endParaRPr lang="en-US" dirty="0"/>
+          </a:p>
+        </p:txBody>
+      </p:sp>
+    </p:spTree>
+    <p:extLst>
+      <p:ext uri="{BB962C8B-B14F-4D97-AF65-F5344CB8AC3E}">
+        <p14:creationId xmlns:p14="http://schemas.microsoft.com/office/powerpoint/2010/main" val="655578597"/>
+      </p:ext>
+    </p:extLst>
+  </p:cSld>
+  <p:clrMapOvr>
+    <a:masterClrMapping/>
+  </p:clrMapOvr>
+</p:sld>
+</file>
+
+<file path=ppt/slides/slide17.xml><?xml version="1.0" encoding="utf-8"?>
+<p:sld xmlns:a="http://schemas.openxmlformats.org/drawingml/2006/main" xmlns:r="http://schemas.openxmlformats.org/officeDocument/2006/relationships" xmlns:p="http://schemas.openxmlformats.org/presentationml/2006/main">
+  <p:cSld>
+    <p:spTree>
+      <p:nvGrpSpPr>
+        <p:cNvPr id="1" name=""/>
+        <p:cNvGrpSpPr/>
+        <p:nvPr/>
+      </p:nvGrpSpPr>
+      <p:grpSpPr>
+        <a:xfrm>
+          <a:off x="0" y="0"/>
+          <a:ext cx="0" cy="0"/>
+          <a:chOff x="0" y="0"/>
+          <a:chExt cx="0" cy="0"/>
+        </a:xfrm>
+      </p:grpSpPr>
       <p:sp>
         <p:nvSpPr>
           <p:cNvPr id="2" name="Title 1">
@@ -10647,7 +11008,7 @@
             <a:fld id="{A49DFD55-3C28-40EF-9E31-A92D2E4017FF}" type="slidenum">
               <a:rPr lang="en-US" smtClean="0"/>
               <a:pPr/>
-              <a:t>13</a:t>
+              <a:t>17</a:t>
             </a:fld>
             <a:endParaRPr lang="en-US" dirty="0"/>
           </a:p>
@@ -10683,40 +11044,170 @@
           <a:chExt cx="0" cy="0"/>
         </a:xfrm>
       </p:grpSpPr>
-      <p:pic>
-        <p:nvPicPr>
-          <p:cNvPr id="11" name="Picture 10">
-            <a:extLst>
-              <a:ext uri="{FF2B5EF4-FFF2-40B4-BE49-F238E27FC236}">
-                <a16:creationId xmlns:a16="http://schemas.microsoft.com/office/drawing/2014/main" id="{C9DA99A5-5481-3EC7-D95E-CAEA6C846FA2}"/>
-              </a:ext>
-            </a:extLst>
-          </p:cNvPr>
-          <p:cNvPicPr>
-            <a:picLocks noChangeAspect="1"/>
-          </p:cNvPicPr>
+      <p:sp>
+        <p:nvSpPr>
+          <p:cNvPr id="2" name="Title 1">
+            <a:extLst>
+              <a:ext uri="{FF2B5EF4-FFF2-40B4-BE49-F238E27FC236}">
+                <a16:creationId xmlns:a16="http://schemas.microsoft.com/office/drawing/2014/main" id="{0A32731C-311B-46F7-A865-6C3AF6B09A47}"/>
+              </a:ext>
+            </a:extLst>
+          </p:cNvPr>
+          <p:cNvSpPr>
+            <a:spLocks noGrp="1"/>
+          </p:cNvSpPr>
+          <p:nvPr>
+            <p:ph type="title"/>
+          </p:nvPr>
+        </p:nvSpPr>
+        <p:spPr>
+          <a:xfrm>
+            <a:off x="1278293" y="575064"/>
+            <a:ext cx="7996335" cy="1019760"/>
+          </a:xfrm>
+        </p:spPr>
+        <p:txBody>
+          <a:bodyPr>
+            <a:normAutofit/>
+          </a:bodyPr>
+          <a:lstStyle/>
+          <a:p>
+            <a:r>
+              <a:rPr lang="en-GB" dirty="0"/>
+              <a:t>OVERVIEW</a:t>
+            </a:r>
+            <a:endParaRPr lang="en-US" dirty="0"/>
+          </a:p>
+        </p:txBody>
+      </p:sp>
+      <p:sp>
+        <p:nvSpPr>
+          <p:cNvPr id="6" name="Slide Number Placeholder 5">
+            <a:extLst>
+              <a:ext uri="{FF2B5EF4-FFF2-40B4-BE49-F238E27FC236}">
+                <a16:creationId xmlns:a16="http://schemas.microsoft.com/office/drawing/2014/main" id="{7BC1787E-7110-4989-B0B8-DD4E0ACC09DF}"/>
+              </a:ext>
+            </a:extLst>
+          </p:cNvPr>
+          <p:cNvSpPr>
+            <a:spLocks noGrp="1"/>
+          </p:cNvSpPr>
+          <p:nvPr>
+            <p:ph type="sldNum" sz="quarter" idx="12"/>
+          </p:nvPr>
+        </p:nvSpPr>
+        <p:spPr>
+          <a:xfrm>
+            <a:off x="8610600" y="6356350"/>
+            <a:ext cx="2743200" cy="365125"/>
+          </a:xfrm>
+        </p:spPr>
+        <p:txBody>
+          <a:bodyPr/>
+          <a:lstStyle/>
+          <a:p>
+            <a:fld id="{A49DFD55-3C28-40EF-9E31-A92D2E4017FF}" type="slidenum">
+              <a:rPr lang="en-US" smtClean="0"/>
+              <a:pPr/>
+              <a:t>2</a:t>
+            </a:fld>
+            <a:endParaRPr lang="en-US" dirty="0"/>
+          </a:p>
+        </p:txBody>
+      </p:sp>
+      <p:sp>
+        <p:nvSpPr>
+          <p:cNvPr id="3" name="TextBox 2">
+            <a:extLst>
+              <a:ext uri="{FF2B5EF4-FFF2-40B4-BE49-F238E27FC236}">
+                <a16:creationId xmlns:a16="http://schemas.microsoft.com/office/drawing/2014/main" id="{4311FD4C-40A3-147C-DE45-1D113B685B22}"/>
+              </a:ext>
+            </a:extLst>
+          </p:cNvPr>
+          <p:cNvSpPr txBox="1"/>
           <p:nvPr/>
-        </p:nvPicPr>
-        <p:blipFill>
-          <a:blip r:embed="rId2"/>
-          <a:stretch>
-            <a:fillRect/>
-          </a:stretch>
-        </p:blipFill>
-        <p:spPr>
-          <a:xfrm>
-            <a:off x="718457" y="736268"/>
-            <a:ext cx="10904661" cy="4797219"/>
+        </p:nvSpPr>
+        <p:spPr>
+          <a:xfrm>
+            <a:off x="1138335" y="1828800"/>
+            <a:ext cx="6876661" cy="3139321"/>
           </a:xfrm>
           <a:prstGeom prst="rect">
             <a:avLst/>
           </a:prstGeom>
-        </p:spPr>
-      </p:pic>
+          <a:noFill/>
+        </p:spPr>
+        <p:txBody>
+          <a:bodyPr wrap="square" rtlCol="0">
+            <a:spAutoFit/>
+          </a:bodyPr>
+          <a:lstStyle/>
+          <a:p>
+            <a:r>
+              <a:rPr lang="en-GB" dirty="0"/>
+              <a:t>Design an autonomous weather monitoring system that sends temperature and humidity data to the cloud to be accessible from anywhere in the world.</a:t>
+            </a:r>
+          </a:p>
+          <a:p>
+            <a:endParaRPr lang="en-GB" dirty="0"/>
+          </a:p>
+          <a:p>
+            <a:r>
+              <a:rPr lang="en-GB" dirty="0"/>
+              <a:t>Components used:</a:t>
+            </a:r>
+            <a:br>
+              <a:rPr lang="en-GB" dirty="0"/>
+            </a:br>
+            <a:r>
+              <a:rPr lang="en-GB" dirty="0"/>
+              <a:t>DHT22  - Temperature and Humidity sensor</a:t>
+            </a:r>
+          </a:p>
+          <a:p>
+            <a:r>
+              <a:rPr lang="en-GB" dirty="0"/>
+              <a:t>Battery – Power supply</a:t>
+            </a:r>
+          </a:p>
+          <a:p>
+            <a:r>
+              <a:rPr lang="en-GB" dirty="0"/>
+              <a:t>Resistors – two 1k Ohms resistors</a:t>
+            </a:r>
+          </a:p>
+          <a:p>
+            <a:r>
+              <a:rPr lang="en-GB" dirty="0"/>
+              <a:t>Tact switch</a:t>
+            </a:r>
+          </a:p>
+          <a:p>
+            <a:r>
+              <a:rPr lang="en-GB" dirty="0"/>
+              <a:t>2 LEDs – </a:t>
+            </a:r>
+            <a:r>
+              <a:rPr lang="en-GB" dirty="0" err="1"/>
+              <a:t>WiFi</a:t>
+            </a:r>
+            <a:r>
+              <a:rPr lang="en-GB" dirty="0"/>
+              <a:t> indicator and Power indicator</a:t>
+            </a:r>
+          </a:p>
+          <a:p>
+            <a:r>
+              <a:rPr lang="en-GB" dirty="0"/>
+              <a:t>Node MCU – ESP8266 microcontroller</a:t>
+            </a:r>
+          </a:p>
+        </p:txBody>
+      </p:sp>
     </p:spTree>
     <p:extLst>
       <p:ext uri="{BB962C8B-B14F-4D97-AF65-F5344CB8AC3E}">
-        <p14:creationId xmlns:p14="http://schemas.microsoft.com/office/powerpoint/2010/main" val="379728094"/>
+        <p14:creationId xmlns:p14="http://schemas.microsoft.com/office/powerpoint/2010/main" val="3571516367"/>
       </p:ext>
     </p:extLst>
   </p:cSld>
@@ -10745,93 +11236,54 @@
       </p:grpSpPr>
       <p:sp>
         <p:nvSpPr>
-          <p:cNvPr id="2" name="Title 1">
-            <a:extLst>
-              <a:ext uri="{FF2B5EF4-FFF2-40B4-BE49-F238E27FC236}">
-                <a16:creationId xmlns:a16="http://schemas.microsoft.com/office/drawing/2014/main" id="{0A32731C-311B-46F7-A865-6C3AF6B09A47}"/>
-              </a:ext>
-            </a:extLst>
-          </p:cNvPr>
-          <p:cNvSpPr>
-            <a:spLocks noGrp="1"/>
-          </p:cNvSpPr>
-          <p:nvPr>
-            <p:ph type="title"/>
-          </p:nvPr>
-        </p:nvSpPr>
-        <p:spPr>
-          <a:xfrm>
-            <a:off x="1455575" y="136525"/>
-            <a:ext cx="7996335" cy="1019760"/>
-          </a:xfrm>
-        </p:spPr>
-        <p:txBody>
-          <a:bodyPr>
-            <a:normAutofit/>
+          <p:cNvPr id="5" name="TextBox 4">
+            <a:extLst>
+              <a:ext uri="{FF2B5EF4-FFF2-40B4-BE49-F238E27FC236}">
+                <a16:creationId xmlns:a16="http://schemas.microsoft.com/office/drawing/2014/main" id="{F06BB504-1217-F1A5-FD82-4D084ECEB8FD}"/>
+              </a:ext>
+            </a:extLst>
+          </p:cNvPr>
+          <p:cNvSpPr txBox="1"/>
+          <p:nvPr/>
+        </p:nvSpPr>
+        <p:spPr>
+          <a:xfrm>
+            <a:off x="3916526" y="450965"/>
+            <a:ext cx="6097554" cy="369332"/>
+          </a:xfrm>
+          <a:prstGeom prst="rect">
+            <a:avLst/>
+          </a:prstGeom>
+          <a:noFill/>
+        </p:spPr>
+        <p:txBody>
+          <a:bodyPr wrap="square">
+            <a:spAutoFit/>
           </a:bodyPr>
           <a:lstStyle/>
           <a:p>
             <a:r>
-              <a:rPr lang="en-US" dirty="0"/>
-              <a:t>Pinout Diagram of </a:t>
-            </a:r>
-            <a:r>
-              <a:rPr lang="en-GB" dirty="0"/>
-              <a:t>ESP8266 </a:t>
-            </a:r>
-            <a:r>
-              <a:rPr lang="en-GB" dirty="0" err="1"/>
-              <a:t>NodeMCU</a:t>
-            </a:r>
-            <a:r>
-              <a:rPr lang="en-GB" dirty="0"/>
-              <a:t> V2</a:t>
-            </a:r>
-            <a:endParaRPr lang="en-US" dirty="0"/>
-          </a:p>
-        </p:txBody>
-      </p:sp>
-      <p:sp>
-        <p:nvSpPr>
-          <p:cNvPr id="6" name="Slide Number Placeholder 5">
-            <a:extLst>
-              <a:ext uri="{FF2B5EF4-FFF2-40B4-BE49-F238E27FC236}">
-                <a16:creationId xmlns:a16="http://schemas.microsoft.com/office/drawing/2014/main" id="{7BC1787E-7110-4989-B0B8-DD4E0ACC09DF}"/>
-              </a:ext>
-            </a:extLst>
-          </p:cNvPr>
-          <p:cNvSpPr>
-            <a:spLocks noGrp="1"/>
-          </p:cNvSpPr>
-          <p:nvPr>
-            <p:ph type="sldNum" sz="quarter" idx="12"/>
-          </p:nvPr>
-        </p:nvSpPr>
-        <p:spPr>
-          <a:xfrm>
-            <a:off x="8610600" y="6356350"/>
-            <a:ext cx="2743200" cy="365125"/>
-          </a:xfrm>
-        </p:spPr>
-        <p:txBody>
-          <a:bodyPr/>
-          <a:lstStyle/>
-          <a:p>
-            <a:fld id="{A49DFD55-3C28-40EF-9E31-A92D2E4017FF}" type="slidenum">
-              <a:rPr lang="en-US" smtClean="0"/>
-              <a:pPr/>
-              <a:t>3</a:t>
-            </a:fld>
-            <a:endParaRPr lang="en-US" dirty="0"/>
+              <a:rPr lang="en-GB" dirty="0">
+                <a:solidFill>
+                  <a:schemeClr val="bg1"/>
+                </a:solidFill>
+              </a:rPr>
+              <a:t>SCHEMATIC DIAGRAM</a:t>
+            </a:r>
+            <a:endParaRPr lang="en-US" dirty="0">
+              <a:solidFill>
+                <a:schemeClr val="bg1"/>
+              </a:solidFill>
+            </a:endParaRPr>
           </a:p>
         </p:txBody>
       </p:sp>
       <p:pic>
         <p:nvPicPr>
-          <p:cNvPr id="7" name="Picture 6">
-            <a:extLst>
-              <a:ext uri="{FF2B5EF4-FFF2-40B4-BE49-F238E27FC236}">
-                <a16:creationId xmlns:a16="http://schemas.microsoft.com/office/drawing/2014/main" id="{4D073C3F-5BDC-F3FC-40EF-C67F57BA1EA3}"/>
+          <p:cNvPr id="9" name="Picture 8">
+            <a:extLst>
+              <a:ext uri="{FF2B5EF4-FFF2-40B4-BE49-F238E27FC236}">
+                <a16:creationId xmlns:a16="http://schemas.microsoft.com/office/drawing/2014/main" id="{547B7291-7136-7D2B-688C-9E9EB726345E}"/>
               </a:ext>
             </a:extLst>
           </p:cNvPr>
@@ -10840,15 +11292,16 @@
           </p:cNvPicPr>
           <p:nvPr/>
         </p:nvPicPr>
-        <p:blipFill rotWithShape="1">
+        <p:blipFill>
           <a:blip r:embed="rId2"/>
-          <a:srcRect l="528" r="-528"/>
-          <a:stretch/>
+          <a:stretch>
+            <a:fillRect/>
+          </a:stretch>
         </p:blipFill>
         <p:spPr>
           <a:xfrm>
-            <a:off x="1796046" y="1489481"/>
-            <a:ext cx="6814554" cy="4520793"/>
+            <a:off x="772968" y="986094"/>
+            <a:ext cx="10646063" cy="5296359"/>
           </a:xfrm>
           <a:prstGeom prst="rect">
             <a:avLst/>
@@ -10858,7 +11311,7 @@
     </p:spTree>
     <p:extLst>
       <p:ext uri="{BB962C8B-B14F-4D97-AF65-F5344CB8AC3E}">
-        <p14:creationId xmlns:p14="http://schemas.microsoft.com/office/powerpoint/2010/main" val="3571516367"/>
+        <p14:creationId xmlns:p14="http://schemas.microsoft.com/office/powerpoint/2010/main" val="379728094"/>
       </p:ext>
     </p:extLst>
   </p:cSld>
@@ -10885,458 +11338,84 @@
           <a:chExt cx="0" cy="0"/>
         </a:xfrm>
       </p:grpSpPr>
-      <p:sp>
-        <p:nvSpPr>
-          <p:cNvPr id="2" name="Title 1">
-            <a:extLst>
-              <a:ext uri="{FF2B5EF4-FFF2-40B4-BE49-F238E27FC236}">
-                <a16:creationId xmlns:a16="http://schemas.microsoft.com/office/drawing/2014/main" id="{0A32731C-311B-46F7-A865-6C3AF6B09A47}"/>
-              </a:ext>
-            </a:extLst>
-          </p:cNvPr>
-          <p:cNvSpPr>
-            <a:spLocks noGrp="1"/>
-          </p:cNvSpPr>
-          <p:nvPr>
-            <p:ph type="title"/>
-          </p:nvPr>
-        </p:nvSpPr>
-        <p:spPr>
-          <a:xfrm>
-            <a:off x="1455575" y="136525"/>
-            <a:ext cx="8322907" cy="1019760"/>
-          </a:xfrm>
-        </p:spPr>
-        <p:txBody>
-          <a:bodyPr/>
-          <a:lstStyle/>
-          <a:p>
-            <a:r>
-              <a:rPr lang="en-GB" dirty="0"/>
-              <a:t>Other components used in the project</a:t>
-            </a:r>
-            <a:endParaRPr lang="en-US" dirty="0"/>
-          </a:p>
-        </p:txBody>
-      </p:sp>
       <p:pic>
         <p:nvPicPr>
-          <p:cNvPr id="1026" name="Picture 2" descr="DHT22 / Temperature and humidity sensor (AM2302)">
-            <a:extLst>
-              <a:ext uri="{FF2B5EF4-FFF2-40B4-BE49-F238E27FC236}">
-                <a16:creationId xmlns:a16="http://schemas.microsoft.com/office/drawing/2014/main" id="{7ABDA150-FDFD-2DB1-57EF-76BF69113C80}"/>
+          <p:cNvPr id="5" name="Picture 4">
+            <a:extLst>
+              <a:ext uri="{FF2B5EF4-FFF2-40B4-BE49-F238E27FC236}">
+                <a16:creationId xmlns:a16="http://schemas.microsoft.com/office/drawing/2014/main" id="{079FF86D-3822-3F26-771C-13ECB0B19DBA}"/>
               </a:ext>
             </a:extLst>
           </p:cNvPr>
           <p:cNvPicPr>
-            <a:picLocks noChangeAspect="1" noChangeArrowheads="1"/>
+            <a:picLocks noChangeAspect="1"/>
           </p:cNvPicPr>
           <p:nvPr/>
         </p:nvPicPr>
         <p:blipFill>
-          <a:blip r:embed="rId2">
-            <a:extLst>
-              <a:ext uri="{28A0092B-C50C-407E-A947-70E740481C1C}">
-                <a14:useLocalDpi xmlns:a14="http://schemas.microsoft.com/office/drawing/2010/main" val="0"/>
-              </a:ext>
-            </a:extLst>
-          </a:blip>
-          <a:srcRect/>
+          <a:blip r:embed="rId2"/>
           <a:stretch>
             <a:fillRect/>
           </a:stretch>
         </p:blipFill>
-        <p:spPr bwMode="auto">
-          <a:xfrm>
-            <a:off x="1485023" y="2719156"/>
-            <a:ext cx="1673617" cy="1673617"/>
+        <p:spPr>
+          <a:xfrm>
+            <a:off x="2169502" y="739742"/>
+            <a:ext cx="7666384" cy="5845047"/>
+          </a:xfrm>
+          <a:prstGeom prst="rect">
+            <a:avLst/>
+          </a:prstGeom>
+        </p:spPr>
+      </p:pic>
+      <p:sp>
+        <p:nvSpPr>
+          <p:cNvPr id="7" name="TextBox 6">
+            <a:extLst>
+              <a:ext uri="{FF2B5EF4-FFF2-40B4-BE49-F238E27FC236}">
+                <a16:creationId xmlns:a16="http://schemas.microsoft.com/office/drawing/2014/main" id="{70D7D56E-3B72-83A9-33B2-13095251501B}"/>
+              </a:ext>
+            </a:extLst>
+          </p:cNvPr>
+          <p:cNvSpPr txBox="1"/>
+          <p:nvPr/>
+        </p:nvSpPr>
+        <p:spPr>
+          <a:xfrm>
+            <a:off x="2356114" y="370410"/>
+            <a:ext cx="6097554" cy="369332"/>
           </a:xfrm>
           <a:prstGeom prst="rect">
             <a:avLst/>
           </a:prstGeom>
           <a:noFill/>
-          <a:extLst>
-            <a:ext uri="{909E8E84-426E-40DD-AFC4-6F175D3DCCD1}">
-              <a14:hiddenFill xmlns:a14="http://schemas.microsoft.com/office/drawing/2010/main">
-                <a:solidFill>
-                  <a:srgbClr val="FFFFFF"/>
-                </a:solidFill>
-              </a14:hiddenFill>
-            </a:ext>
-          </a:extLst>
-        </p:spPr>
-      </p:pic>
-      <p:pic>
-        <p:nvPicPr>
-          <p:cNvPr id="1028" name="Picture 4" descr="Resistor - Wikipedia">
-            <a:extLst>
-              <a:ext uri="{FF2B5EF4-FFF2-40B4-BE49-F238E27FC236}">
-                <a16:creationId xmlns:a16="http://schemas.microsoft.com/office/drawing/2014/main" id="{9419C40D-84BC-C388-B259-39D92910F8D3}"/>
-              </a:ext>
-            </a:extLst>
-          </p:cNvPr>
-          <p:cNvPicPr>
-            <a:picLocks noChangeAspect="1" noChangeArrowheads="1"/>
-          </p:cNvPicPr>
-          <p:nvPr/>
-        </p:nvPicPr>
-        <p:blipFill>
-          <a:blip r:embed="rId3">
-            <a:extLst>
-              <a:ext uri="{28A0092B-C50C-407E-A947-70E740481C1C}">
-                <a14:useLocalDpi xmlns:a14="http://schemas.microsoft.com/office/drawing/2010/main" val="0"/>
-              </a:ext>
-            </a:extLst>
-          </a:blip>
-          <a:srcRect/>
-          <a:stretch>
-            <a:fillRect/>
-          </a:stretch>
-        </p:blipFill>
-        <p:spPr bwMode="auto">
-          <a:xfrm>
-            <a:off x="3706293" y="1446024"/>
-            <a:ext cx="3125755" cy="4465364"/>
-          </a:xfrm>
-          <a:prstGeom prst="rect">
-            <a:avLst/>
-          </a:prstGeom>
-          <a:noFill/>
-          <a:extLst>
-            <a:ext uri="{909E8E84-426E-40DD-AFC4-6F175D3DCCD1}">
-              <a14:hiddenFill xmlns:a14="http://schemas.microsoft.com/office/drawing/2010/main">
-                <a:solidFill>
-                  <a:srgbClr val="FFFFFF"/>
-                </a:solidFill>
-              </a14:hiddenFill>
-            </a:ext>
-          </a:extLst>
-        </p:spPr>
-      </p:pic>
-      <p:pic>
-        <p:nvPicPr>
-          <p:cNvPr id="1030" name="Picture 6">
-            <a:extLst>
-              <a:ext uri="{FF2B5EF4-FFF2-40B4-BE49-F238E27FC236}">
-                <a16:creationId xmlns:a16="http://schemas.microsoft.com/office/drawing/2014/main" id="{8440CF18-BB29-FA49-49A3-8D7F4A965063}"/>
-              </a:ext>
-            </a:extLst>
-          </p:cNvPr>
-          <p:cNvPicPr>
-            <a:picLocks noChangeAspect="1" noChangeArrowheads="1"/>
-          </p:cNvPicPr>
-          <p:nvPr/>
-        </p:nvPicPr>
-        <p:blipFill>
-          <a:blip r:embed="rId4">
-            <a:extLst>
-              <a:ext uri="{28A0092B-C50C-407E-A947-70E740481C1C}">
-                <a14:useLocalDpi xmlns:a14="http://schemas.microsoft.com/office/drawing/2010/main" val="0"/>
-              </a:ext>
-            </a:extLst>
-          </a:blip>
-          <a:srcRect/>
-          <a:stretch>
-            <a:fillRect/>
-          </a:stretch>
-        </p:blipFill>
-        <p:spPr bwMode="auto">
-          <a:xfrm>
-            <a:off x="8113625" y="1683458"/>
-            <a:ext cx="2876281" cy="2957744"/>
-          </a:xfrm>
-          <a:prstGeom prst="rect">
-            <a:avLst/>
-          </a:prstGeom>
-          <a:noFill/>
-          <a:extLst>
-            <a:ext uri="{909E8E84-426E-40DD-AFC4-6F175D3DCCD1}">
-              <a14:hiddenFill xmlns:a14="http://schemas.microsoft.com/office/drawing/2010/main">
-                <a:solidFill>
-                  <a:srgbClr val="FFFFFF"/>
-                </a:solidFill>
-              </a14:hiddenFill>
-            </a:ext>
-          </a:extLst>
-        </p:spPr>
-      </p:pic>
-      <p:pic>
-        <p:nvPicPr>
-          <p:cNvPr id="1032" name="Picture 8" descr="6x6x9mm Tact Push Button Switch, 4 Pin | ATO.com">
-            <a:extLst>
-              <a:ext uri="{FF2B5EF4-FFF2-40B4-BE49-F238E27FC236}">
-                <a16:creationId xmlns:a16="http://schemas.microsoft.com/office/drawing/2014/main" id="{E9DF0892-5F29-EB35-A7B0-B3BB08F07CD7}"/>
-              </a:ext>
-            </a:extLst>
-          </p:cNvPr>
-          <p:cNvPicPr>
-            <a:picLocks noChangeAspect="1" noChangeArrowheads="1"/>
-          </p:cNvPicPr>
-          <p:nvPr/>
-        </p:nvPicPr>
-        <p:blipFill>
-          <a:blip r:embed="rId5">
-            <a:extLst>
-              <a:ext uri="{28A0092B-C50C-407E-A947-70E740481C1C}">
-                <a14:useLocalDpi xmlns:a14="http://schemas.microsoft.com/office/drawing/2010/main" val="0"/>
-              </a:ext>
-            </a:extLst>
-          </a:blip>
-          <a:srcRect/>
-          <a:stretch>
-            <a:fillRect/>
-          </a:stretch>
-        </p:blipFill>
-        <p:spPr bwMode="auto">
-          <a:xfrm>
-            <a:off x="8703907" y="4076688"/>
-            <a:ext cx="2195707" cy="2195707"/>
-          </a:xfrm>
-          <a:prstGeom prst="rect">
-            <a:avLst/>
-          </a:prstGeom>
-          <a:noFill/>
-          <a:extLst>
-            <a:ext uri="{909E8E84-426E-40DD-AFC4-6F175D3DCCD1}">
-              <a14:hiddenFill xmlns:a14="http://schemas.microsoft.com/office/drawing/2010/main">
-                <a:solidFill>
-                  <a:srgbClr val="FFFFFF"/>
-                </a:solidFill>
-              </a14:hiddenFill>
-            </a:ext>
-          </a:extLst>
-        </p:spPr>
-      </p:pic>
-      <p:pic>
-        <p:nvPicPr>
-          <p:cNvPr id="1034" name="Picture 10" descr="Duracell CopperTop battery - 12 x 9V - alkaline - DUR01601 - Office Basics  - CDW.com">
-            <a:extLst>
-              <a:ext uri="{FF2B5EF4-FFF2-40B4-BE49-F238E27FC236}">
-                <a16:creationId xmlns:a16="http://schemas.microsoft.com/office/drawing/2014/main" id="{B44A3F33-37A1-876C-9E98-FFF78DF1AB06}"/>
-              </a:ext>
-            </a:extLst>
-          </p:cNvPr>
-          <p:cNvPicPr>
-            <a:picLocks noChangeAspect="1" noChangeArrowheads="1"/>
-          </p:cNvPicPr>
-          <p:nvPr/>
-        </p:nvPicPr>
-        <p:blipFill>
-          <a:blip r:embed="rId6">
-            <a:extLst>
-              <a:ext uri="{28A0092B-C50C-407E-A947-70E740481C1C}">
-                <a14:useLocalDpi xmlns:a14="http://schemas.microsoft.com/office/drawing/2010/main" val="0"/>
-              </a:ext>
-            </a:extLst>
-          </a:blip>
-          <a:srcRect/>
-          <a:stretch>
-            <a:fillRect/>
-          </a:stretch>
-        </p:blipFill>
-        <p:spPr bwMode="auto">
-          <a:xfrm>
-            <a:off x="1513194" y="4462645"/>
-            <a:ext cx="2524125" cy="1809750"/>
-          </a:xfrm>
-          <a:prstGeom prst="rect">
-            <a:avLst/>
-          </a:prstGeom>
-          <a:noFill/>
-          <a:extLst>
-            <a:ext uri="{909E8E84-426E-40DD-AFC4-6F175D3DCCD1}">
-              <a14:hiddenFill xmlns:a14="http://schemas.microsoft.com/office/drawing/2010/main">
-                <a:solidFill>
-                  <a:srgbClr val="FFFFFF"/>
-                </a:solidFill>
-              </a14:hiddenFill>
-            </a:ext>
-          </a:extLst>
-        </p:spPr>
-      </p:pic>
-      <p:sp>
-        <p:nvSpPr>
-          <p:cNvPr id="3" name="TextBox 2">
-            <a:extLst>
-              <a:ext uri="{FF2B5EF4-FFF2-40B4-BE49-F238E27FC236}">
-                <a16:creationId xmlns:a16="http://schemas.microsoft.com/office/drawing/2014/main" id="{F841464B-1BF5-3650-F1BA-0992A7BF2DF3}"/>
-              </a:ext>
-            </a:extLst>
-          </p:cNvPr>
-          <p:cNvSpPr txBox="1"/>
-          <p:nvPr/>
-        </p:nvSpPr>
-        <p:spPr>
-          <a:xfrm>
-            <a:off x="8462865" y="1821957"/>
-            <a:ext cx="508473" cy="276999"/>
-          </a:xfrm>
-          <a:prstGeom prst="rect">
-            <a:avLst/>
-          </a:prstGeom>
-          <a:noFill/>
-        </p:spPr>
-        <p:txBody>
-          <a:bodyPr wrap="none" rtlCol="0">
+        </p:spPr>
+        <p:txBody>
+          <a:bodyPr wrap="square">
             <a:spAutoFit/>
           </a:bodyPr>
           <a:lstStyle/>
           <a:p>
             <a:r>
-              <a:rPr lang="en-GB" sz="1200" dirty="0"/>
-              <a:t>LEDs</a:t>
-            </a:r>
-            <a:endParaRPr lang="en-US" sz="1200" dirty="0"/>
-          </a:p>
-        </p:txBody>
-      </p:sp>
-      <p:sp>
-        <p:nvSpPr>
-          <p:cNvPr id="4" name="TextBox 3">
-            <a:extLst>
-              <a:ext uri="{FF2B5EF4-FFF2-40B4-BE49-F238E27FC236}">
-                <a16:creationId xmlns:a16="http://schemas.microsoft.com/office/drawing/2014/main" id="{4123D1D3-A2B4-CDC7-721F-78F8D078864B}"/>
-              </a:ext>
-            </a:extLst>
-          </p:cNvPr>
-          <p:cNvSpPr txBox="1"/>
-          <p:nvPr/>
-        </p:nvSpPr>
-        <p:spPr>
-          <a:xfrm>
-            <a:off x="4152311" y="1544958"/>
-            <a:ext cx="774058" cy="276999"/>
-          </a:xfrm>
-          <a:prstGeom prst="rect">
-            <a:avLst/>
-          </a:prstGeom>
-          <a:noFill/>
-        </p:spPr>
-        <p:txBody>
-          <a:bodyPr wrap="none" rtlCol="0">
-            <a:spAutoFit/>
-          </a:bodyPr>
-          <a:lstStyle/>
-          <a:p>
-            <a:r>
-              <a:rPr lang="en-GB" sz="1200" dirty="0"/>
-              <a:t>Resistors</a:t>
-            </a:r>
-            <a:endParaRPr lang="en-US" sz="1200" dirty="0"/>
-          </a:p>
-        </p:txBody>
-      </p:sp>
-      <p:sp>
-        <p:nvSpPr>
-          <p:cNvPr id="5" name="TextBox 4">
-            <a:extLst>
-              <a:ext uri="{FF2B5EF4-FFF2-40B4-BE49-F238E27FC236}">
-                <a16:creationId xmlns:a16="http://schemas.microsoft.com/office/drawing/2014/main" id="{D7A90162-3ADD-1723-F4DF-80283C82CA4B}"/>
-              </a:ext>
-            </a:extLst>
-          </p:cNvPr>
-          <p:cNvSpPr txBox="1"/>
-          <p:nvPr/>
-        </p:nvSpPr>
-        <p:spPr>
-          <a:xfrm>
-            <a:off x="2321831" y="6201127"/>
-            <a:ext cx="670761" cy="276999"/>
-          </a:xfrm>
-          <a:prstGeom prst="rect">
-            <a:avLst/>
-          </a:prstGeom>
-          <a:noFill/>
-        </p:spPr>
-        <p:txBody>
-          <a:bodyPr wrap="none" rtlCol="0">
-            <a:spAutoFit/>
-          </a:bodyPr>
-          <a:lstStyle/>
-          <a:p>
-            <a:r>
-              <a:rPr lang="en-GB" sz="1200" dirty="0"/>
-              <a:t>Battery</a:t>
-            </a:r>
-            <a:endParaRPr lang="en-US" sz="1200" dirty="0"/>
-          </a:p>
-        </p:txBody>
-      </p:sp>
-      <p:sp>
-        <p:nvSpPr>
-          <p:cNvPr id="8" name="TextBox 7">
-            <a:extLst>
-              <a:ext uri="{FF2B5EF4-FFF2-40B4-BE49-F238E27FC236}">
-                <a16:creationId xmlns:a16="http://schemas.microsoft.com/office/drawing/2014/main" id="{9422B9AB-F4B8-A842-304C-331004F34BED}"/>
-              </a:ext>
-            </a:extLst>
-          </p:cNvPr>
-          <p:cNvSpPr txBox="1"/>
-          <p:nvPr/>
-        </p:nvSpPr>
-        <p:spPr>
-          <a:xfrm>
-            <a:off x="721567" y="2540074"/>
-            <a:ext cx="2920671" cy="276999"/>
-          </a:xfrm>
-          <a:prstGeom prst="rect">
-            <a:avLst/>
-          </a:prstGeom>
-          <a:noFill/>
-        </p:spPr>
-        <p:txBody>
-          <a:bodyPr wrap="none" rtlCol="0">
-            <a:spAutoFit/>
-          </a:bodyPr>
-          <a:lstStyle/>
-          <a:p>
-            <a:r>
-              <a:rPr lang="en-GB" sz="1200" dirty="0"/>
-              <a:t>DHT22 Temperature and Humidity Sensor</a:t>
-            </a:r>
-            <a:endParaRPr lang="en-US" sz="1200" dirty="0"/>
-          </a:p>
-        </p:txBody>
-      </p:sp>
-      <p:sp>
-        <p:nvSpPr>
-          <p:cNvPr id="9" name="TextBox 8">
-            <a:extLst>
-              <a:ext uri="{FF2B5EF4-FFF2-40B4-BE49-F238E27FC236}">
-                <a16:creationId xmlns:a16="http://schemas.microsoft.com/office/drawing/2014/main" id="{4DC37CC6-1B34-6779-6725-C9EBAE94B05B}"/>
-              </a:ext>
-            </a:extLst>
-          </p:cNvPr>
-          <p:cNvSpPr txBox="1"/>
-          <p:nvPr/>
-        </p:nvSpPr>
-        <p:spPr>
-          <a:xfrm>
-            <a:off x="9239179" y="6133895"/>
-            <a:ext cx="625171" cy="276999"/>
-          </a:xfrm>
-          <a:prstGeom prst="rect">
-            <a:avLst/>
-          </a:prstGeom>
-          <a:noFill/>
-        </p:spPr>
-        <p:txBody>
-          <a:bodyPr wrap="none" rtlCol="0">
-            <a:spAutoFit/>
-          </a:bodyPr>
-          <a:lstStyle/>
-          <a:p>
-            <a:r>
-              <a:rPr lang="en-GB" sz="1200" dirty="0"/>
-              <a:t>Switch</a:t>
-            </a:r>
+              <a:rPr lang="en-GB" dirty="0">
+                <a:solidFill>
+                  <a:schemeClr val="bg1"/>
+                </a:solidFill>
+              </a:rPr>
+              <a:t>PRINTED CIRCUIT BOARD DESIGN</a:t>
+            </a:r>
+            <a:endParaRPr lang="en-US" dirty="0">
+              <a:solidFill>
+                <a:schemeClr val="bg1"/>
+              </a:solidFill>
+            </a:endParaRPr>
           </a:p>
         </p:txBody>
       </p:sp>
     </p:spTree>
     <p:extLst>
       <p:ext uri="{BB962C8B-B14F-4D97-AF65-F5344CB8AC3E}">
-        <p14:creationId xmlns:p14="http://schemas.microsoft.com/office/powerpoint/2010/main" val="2006139185"/>
+        <p14:creationId xmlns:p14="http://schemas.microsoft.com/office/powerpoint/2010/main" val="1480449836"/>
       </p:ext>
     </p:extLst>
   </p:cSld>
@@ -11365,10 +11444,10 @@
       </p:grpSpPr>
       <p:pic>
         <p:nvPicPr>
-          <p:cNvPr id="5" name="Picture 4" descr="A screenshot of a graph&#10;&#10;Description automatically generated">
-            <a:extLst>
-              <a:ext uri="{FF2B5EF4-FFF2-40B4-BE49-F238E27FC236}">
-                <a16:creationId xmlns:a16="http://schemas.microsoft.com/office/drawing/2014/main" id="{D540E5EC-F8D8-08DE-EA41-EB7481C1F031}"/>
+          <p:cNvPr id="3" name="Picture 2">
+            <a:extLst>
+              <a:ext uri="{FF2B5EF4-FFF2-40B4-BE49-F238E27FC236}">
+                <a16:creationId xmlns:a16="http://schemas.microsoft.com/office/drawing/2014/main" id="{6763DA02-C6BC-74F7-7D73-9AABEB9EA66B}"/>
               </a:ext>
             </a:extLst>
           </p:cNvPr>
@@ -11385,8 +11464,8 @@
         </p:blipFill>
         <p:spPr>
           <a:xfrm>
-            <a:off x="7807478" y="0"/>
-            <a:ext cx="3164458" cy="6410131"/>
+            <a:off x="1082351" y="690465"/>
+            <a:ext cx="10399651" cy="5079195"/>
           </a:xfrm>
           <a:prstGeom prst="rect">
             <a:avLst/>
@@ -11395,65 +11474,10 @@
       </p:pic>
       <p:sp>
         <p:nvSpPr>
-          <p:cNvPr id="2" name="Title 1">
-            <a:extLst>
-              <a:ext uri="{FF2B5EF4-FFF2-40B4-BE49-F238E27FC236}">
-                <a16:creationId xmlns:a16="http://schemas.microsoft.com/office/drawing/2014/main" id="{16C35D49-45E7-4A4E-8D76-DF30FFD183EC}"/>
-              </a:ext>
-            </a:extLst>
-          </p:cNvPr>
-          <p:cNvSpPr txBox="1">
-            <a:spLocks/>
-          </p:cNvSpPr>
-          <p:nvPr/>
-        </p:nvSpPr>
-        <p:spPr>
-          <a:xfrm>
-            <a:off x="0" y="18661"/>
-            <a:ext cx="8817428" cy="1019760"/>
-          </a:xfrm>
-          <a:prstGeom prst="rect">
-            <a:avLst/>
-          </a:prstGeom>
-        </p:spPr>
-        <p:txBody>
-          <a:bodyPr vert="horz" lIns="91440" tIns="45720" rIns="91440" bIns="45720" rtlCol="0" anchor="b">
-            <a:noAutofit/>
-          </a:bodyPr>
-          <a:lstStyle>
-            <a:lvl1pPr algn="l" defTabSz="914400" rtl="0" eaLnBrk="1" latinLnBrk="0" hangingPunct="1">
-              <a:lnSpc>
-                <a:spcPct val="90000"/>
-              </a:lnSpc>
-              <a:spcBef>
-                <a:spcPct val="0"/>
-              </a:spcBef>
-              <a:buNone/>
-              <a:defRPr sz="3600" kern="1200" cap="all" spc="150" baseline="0">
-                <a:solidFill>
-                  <a:schemeClr val="bg1"/>
-                </a:solidFill>
-                <a:latin typeface="+mj-lt"/>
-                <a:ea typeface="+mj-ea"/>
-                <a:cs typeface="+mj-cs"/>
-              </a:defRPr>
-            </a:lvl1pPr>
-          </a:lstStyle>
-          <a:p>
-            <a:r>
-              <a:rPr lang="en-GB" dirty="0"/>
-              <a:t>Web APP view on mobile phone</a:t>
-            </a:r>
-            <a:endParaRPr lang="en-US" dirty="0"/>
-          </a:p>
-        </p:txBody>
-      </p:sp>
-      <p:sp>
-        <p:nvSpPr>
-          <p:cNvPr id="4" name="TextBox 3">
-            <a:extLst>
-              <a:ext uri="{FF2B5EF4-FFF2-40B4-BE49-F238E27FC236}">
-                <a16:creationId xmlns:a16="http://schemas.microsoft.com/office/drawing/2014/main" id="{D764FBB2-58D3-2B78-6105-62D6E583C02E}"/>
+          <p:cNvPr id="13" name="TextBox 12">
+            <a:extLst>
+              <a:ext uri="{FF2B5EF4-FFF2-40B4-BE49-F238E27FC236}">
+                <a16:creationId xmlns:a16="http://schemas.microsoft.com/office/drawing/2014/main" id="{C715BDFC-A43B-9161-8BC2-0E9AD457A8E0}"/>
               </a:ext>
             </a:extLst>
           </p:cNvPr>
@@ -11462,8 +11486,8 @@
         </p:nvSpPr>
         <p:spPr>
           <a:xfrm>
-            <a:off x="2460950" y="6244126"/>
-            <a:ext cx="6190860" cy="369332"/>
+            <a:off x="1331946" y="321133"/>
+            <a:ext cx="6097554" cy="369332"/>
           </a:xfrm>
           <a:prstGeom prst="rect">
             <a:avLst/>
@@ -11477,22 +11501,25 @@
           <a:lstStyle/>
           <a:p>
             <a:r>
-              <a:rPr lang="en-US" dirty="0">
+              <a:rPr lang="en-GB" dirty="0">
                 <a:solidFill>
-                  <a:schemeClr val="bg1">
-                    <a:lumMod val="95000"/>
-                  </a:schemeClr>
+                  <a:schemeClr val="bg1"/>
                 </a:solidFill>
               </a:rPr>
-              <a:t>https://sensor-client-kappa.vercel.app/</a:t>
-            </a:r>
+              <a:t>BREADBOARD CIRCUIT LAYOUT</a:t>
+            </a:r>
+            <a:endParaRPr lang="en-US" dirty="0">
+              <a:solidFill>
+                <a:schemeClr val="bg1"/>
+              </a:solidFill>
+            </a:endParaRPr>
           </a:p>
         </p:txBody>
       </p:sp>
     </p:spTree>
     <p:extLst>
       <p:ext uri="{BB962C8B-B14F-4D97-AF65-F5344CB8AC3E}">
-        <p14:creationId xmlns:p14="http://schemas.microsoft.com/office/powerpoint/2010/main" val="511702197"/>
+        <p14:creationId xmlns:p14="http://schemas.microsoft.com/office/powerpoint/2010/main" val="2708060237"/>
       </p:ext>
     </p:extLst>
   </p:cSld>
@@ -11521,45 +11548,54 @@
       </p:grpSpPr>
       <p:sp>
         <p:nvSpPr>
-          <p:cNvPr id="9" name="Slide Number Placeholder 8">
-            <a:extLst>
-              <a:ext uri="{FF2B5EF4-FFF2-40B4-BE49-F238E27FC236}">
-                <a16:creationId xmlns:a16="http://schemas.microsoft.com/office/drawing/2014/main" id="{03091613-153A-4005-9F4D-2F185AE5F7BF}"/>
-              </a:ext>
-            </a:extLst>
-          </p:cNvPr>
-          <p:cNvSpPr>
-            <a:spLocks noGrp="1"/>
-          </p:cNvSpPr>
-          <p:nvPr>
-            <p:ph type="sldNum" sz="quarter" idx="12"/>
-          </p:nvPr>
-        </p:nvSpPr>
-        <p:spPr>
-          <a:xfrm>
-            <a:off x="8610600" y="6356350"/>
-            <a:ext cx="2743200" cy="365125"/>
-          </a:xfrm>
-        </p:spPr>
-        <p:txBody>
-          <a:bodyPr/>
+          <p:cNvPr id="13" name="TextBox 12">
+            <a:extLst>
+              <a:ext uri="{FF2B5EF4-FFF2-40B4-BE49-F238E27FC236}">
+                <a16:creationId xmlns:a16="http://schemas.microsoft.com/office/drawing/2014/main" id="{C715BDFC-A43B-9161-8BC2-0E9AD457A8E0}"/>
+              </a:ext>
+            </a:extLst>
+          </p:cNvPr>
+          <p:cNvSpPr txBox="1"/>
+          <p:nvPr/>
+        </p:nvSpPr>
+        <p:spPr>
+          <a:xfrm>
+            <a:off x="2423627" y="880970"/>
+            <a:ext cx="6097554" cy="369332"/>
+          </a:xfrm>
+          <a:prstGeom prst="rect">
+            <a:avLst/>
+          </a:prstGeom>
+          <a:noFill/>
+        </p:spPr>
+        <p:txBody>
+          <a:bodyPr wrap="square">
+            <a:spAutoFit/>
+          </a:bodyPr>
           <a:lstStyle/>
           <a:p>
-            <a:fld id="{A49DFD55-3C28-40EF-9E31-A92D2E4017FF}" type="slidenum">
-              <a:rPr lang="en-US" smtClean="0"/>
-              <a:pPr/>
-              <a:t>6</a:t>
-            </a:fld>
-            <a:endParaRPr lang="en-US" dirty="0"/>
+            <a:r>
+              <a:rPr lang="en-GB" dirty="0">
+                <a:solidFill>
+                  <a:schemeClr val="bg1"/>
+                </a:solidFill>
+              </a:rPr>
+              <a:t>CIRCUIT AT WORK</a:t>
+            </a:r>
+            <a:endParaRPr lang="en-US" dirty="0">
+              <a:solidFill>
+                <a:schemeClr val="bg1"/>
+              </a:solidFill>
+            </a:endParaRPr>
           </a:p>
         </p:txBody>
       </p:sp>
       <p:pic>
         <p:nvPicPr>
-          <p:cNvPr id="7" name="Picture 6">
-            <a:extLst>
-              <a:ext uri="{FF2B5EF4-FFF2-40B4-BE49-F238E27FC236}">
-                <a16:creationId xmlns:a16="http://schemas.microsoft.com/office/drawing/2014/main" id="{ED847851-8579-8341-EB67-A900AD6EB599}"/>
+          <p:cNvPr id="4" name="Picture 3" descr="A circuit board with wires and lights&#10;&#10;Description automatically generated">
+            <a:extLst>
+              <a:ext uri="{FF2B5EF4-FFF2-40B4-BE49-F238E27FC236}">
+                <a16:creationId xmlns:a16="http://schemas.microsoft.com/office/drawing/2014/main" id="{DD76A579-E390-6B22-EAD7-875E7EEEA980}"/>
               </a:ext>
             </a:extLst>
           </p:cNvPr>
@@ -11568,115 +11604,25 @@
           </p:cNvPicPr>
           <p:nvPr/>
         </p:nvPicPr>
-        <p:blipFill>
+        <p:blipFill rotWithShape="1">
           <a:blip r:embed="rId2"/>
-          <a:stretch>
-            <a:fillRect/>
-          </a:stretch>
+          <a:srcRect l="282" t="10902" b="11655"/>
+          <a:stretch/>
         </p:blipFill>
         <p:spPr>
           <a:xfrm>
-            <a:off x="424919" y="1418253"/>
-            <a:ext cx="11123268" cy="4820337"/>
+            <a:off x="2705878" y="1315616"/>
+            <a:ext cx="6599852" cy="3844213"/>
           </a:xfrm>
           <a:prstGeom prst="rect">
             <a:avLst/>
           </a:prstGeom>
         </p:spPr>
       </p:pic>
-      <p:sp>
-        <p:nvSpPr>
-          <p:cNvPr id="10" name="Title 1">
-            <a:extLst>
-              <a:ext uri="{FF2B5EF4-FFF2-40B4-BE49-F238E27FC236}">
-                <a16:creationId xmlns:a16="http://schemas.microsoft.com/office/drawing/2014/main" id="{81484FFF-2BB8-5F82-50C0-ABB719BDFE0E}"/>
-              </a:ext>
-            </a:extLst>
-          </p:cNvPr>
-          <p:cNvSpPr txBox="1">
-            <a:spLocks/>
-          </p:cNvSpPr>
-          <p:nvPr/>
-        </p:nvSpPr>
-        <p:spPr>
-          <a:xfrm>
-            <a:off x="569166" y="619410"/>
-            <a:ext cx="10189029" cy="1019760"/>
-          </a:xfrm>
-          <a:prstGeom prst="rect">
-            <a:avLst/>
-          </a:prstGeom>
-        </p:spPr>
-        <p:txBody>
-          <a:bodyPr vert="horz" lIns="91440" tIns="45720" rIns="91440" bIns="45720" rtlCol="0" anchor="ctr">
-            <a:normAutofit/>
-          </a:bodyPr>
-          <a:lstStyle>
-            <a:lvl1pPr algn="ctr" defTabSz="914400" rtl="0" eaLnBrk="1" latinLnBrk="0" hangingPunct="1">
-              <a:lnSpc>
-                <a:spcPct val="90000"/>
-              </a:lnSpc>
-              <a:spcBef>
-                <a:spcPct val="0"/>
-              </a:spcBef>
-              <a:buNone/>
-              <a:defRPr lang="en-US" sz="2800" kern="1200" cap="all" spc="150" baseline="0" dirty="0">
-                <a:solidFill>
-                  <a:schemeClr val="tx1"/>
-                </a:solidFill>
-                <a:latin typeface="+mj-lt"/>
-                <a:ea typeface="+mj-ea"/>
-                <a:cs typeface="+mj-cs"/>
-              </a:defRPr>
-            </a:lvl1pPr>
-          </a:lstStyle>
-          <a:p>
-            <a:r>
-              <a:rPr lang="en-GB" dirty="0"/>
-              <a:t>WEB app on pc with AN extended chart view</a:t>
-            </a:r>
-          </a:p>
-        </p:txBody>
-      </p:sp>
-      <p:sp>
-        <p:nvSpPr>
-          <p:cNvPr id="13" name="TextBox 12">
-            <a:extLst>
-              <a:ext uri="{FF2B5EF4-FFF2-40B4-BE49-F238E27FC236}">
-                <a16:creationId xmlns:a16="http://schemas.microsoft.com/office/drawing/2014/main" id="{221AF979-B144-1C1D-F0D4-535E0C2441AC}"/>
-              </a:ext>
-            </a:extLst>
-          </p:cNvPr>
-          <p:cNvSpPr txBox="1"/>
-          <p:nvPr/>
-        </p:nvSpPr>
-        <p:spPr>
-          <a:xfrm>
-            <a:off x="2460950" y="6244126"/>
-            <a:ext cx="6190860" cy="369332"/>
-          </a:xfrm>
-          <a:prstGeom prst="rect">
-            <a:avLst/>
-          </a:prstGeom>
-          <a:noFill/>
-        </p:spPr>
-        <p:txBody>
-          <a:bodyPr wrap="square">
-            <a:spAutoFit/>
-          </a:bodyPr>
-          <a:lstStyle/>
-          <a:p>
-            <a:r>
-              <a:rPr lang="en-US" dirty="0"/>
-              <a:t>https://sensor-client-kappa.vercel.app/</a:t>
-            </a:r>
-          </a:p>
-        </p:txBody>
-      </p:sp>
     </p:spTree>
     <p:extLst>
       <p:ext uri="{BB962C8B-B14F-4D97-AF65-F5344CB8AC3E}">
-        <p14:creationId xmlns:p14="http://schemas.microsoft.com/office/powerpoint/2010/main" val="2499682613"/>
+        <p14:creationId xmlns:p14="http://schemas.microsoft.com/office/powerpoint/2010/main" val="2077365216"/>
       </p:ext>
     </p:extLst>
   </p:cSld>
@@ -11705,10 +11651,58 @@
       </p:grpSpPr>
       <p:sp>
         <p:nvSpPr>
+          <p:cNvPr id="2" name="Title 1">
+            <a:extLst>
+              <a:ext uri="{FF2B5EF4-FFF2-40B4-BE49-F238E27FC236}">
+                <a16:creationId xmlns:a16="http://schemas.microsoft.com/office/drawing/2014/main" id="{0A32731C-311B-46F7-A865-6C3AF6B09A47}"/>
+              </a:ext>
+            </a:extLst>
+          </p:cNvPr>
+          <p:cNvSpPr>
+            <a:spLocks noGrp="1"/>
+          </p:cNvSpPr>
+          <p:nvPr>
+            <p:ph type="title"/>
+          </p:nvPr>
+        </p:nvSpPr>
+        <p:spPr>
+          <a:xfrm>
+            <a:off x="1455575" y="136525"/>
+            <a:ext cx="7996335" cy="1019760"/>
+          </a:xfrm>
+        </p:spPr>
+        <p:txBody>
+          <a:bodyPr>
+            <a:normAutofit/>
+          </a:bodyPr>
+          <a:lstStyle/>
+          <a:p>
+            <a:r>
+              <a:rPr lang="en-US" dirty="0"/>
+              <a:t>Pinout Diagram of </a:t>
+            </a:r>
+            <a:r>
+              <a:rPr lang="en-GB" dirty="0"/>
+              <a:t>ESP8266 </a:t>
+            </a:r>
+            <a:r>
+              <a:rPr lang="en-GB" dirty="0" err="1"/>
+              <a:t>NodeMCU</a:t>
+            </a:r>
+            <a:r>
+              <a:rPr lang="en-GB" dirty="0"/>
+              <a:t> V2</a:t>
+            </a:r>
+            <a:endParaRPr lang="en-US" dirty="0"/>
+          </a:p>
+        </p:txBody>
+      </p:sp>
+      <p:sp>
+        <p:nvSpPr>
           <p:cNvPr id="6" name="Slide Number Placeholder 5">
             <a:extLst>
               <a:ext uri="{FF2B5EF4-FFF2-40B4-BE49-F238E27FC236}">
-                <a16:creationId xmlns:a16="http://schemas.microsoft.com/office/drawing/2014/main" id="{F2A39FA3-9AE3-4689-A469-B7D2DFCCC2D9}"/>
+                <a16:creationId xmlns:a16="http://schemas.microsoft.com/office/drawing/2014/main" id="{7BC1787E-7110-4989-B0B8-DD4E0ACC09DF}"/>
               </a:ext>
             </a:extLst>
           </p:cNvPr>
@@ -11721,8 +11715,8 @@
         </p:nvSpPr>
         <p:spPr>
           <a:xfrm>
-            <a:off x="9658350" y="6356350"/>
-            <a:ext cx="1695450" cy="365125"/>
+            <a:off x="8610600" y="6356350"/>
+            <a:ext cx="2743200" cy="365125"/>
           </a:xfrm>
         </p:spPr>
         <p:txBody>
@@ -11740,10 +11734,10 @@
       </p:sp>
       <p:pic>
         <p:nvPicPr>
-          <p:cNvPr id="11" name="Picture 10">
-            <a:extLst>
-              <a:ext uri="{FF2B5EF4-FFF2-40B4-BE49-F238E27FC236}">
-                <a16:creationId xmlns:a16="http://schemas.microsoft.com/office/drawing/2014/main" id="{985F16E7-E4E7-F10C-4DFF-8B8BABD58C57}"/>
+          <p:cNvPr id="7" name="Picture 6">
+            <a:extLst>
+              <a:ext uri="{FF2B5EF4-FFF2-40B4-BE49-F238E27FC236}">
+                <a16:creationId xmlns:a16="http://schemas.microsoft.com/office/drawing/2014/main" id="{4D073C3F-5BDC-F3FC-40EF-C67F57BA1EA3}"/>
               </a:ext>
             </a:extLst>
           </p:cNvPr>
@@ -11752,70 +11746,25 @@
           </p:cNvPicPr>
           <p:nvPr/>
         </p:nvPicPr>
-        <p:blipFill>
+        <p:blipFill rotWithShape="1">
           <a:blip r:embed="rId2"/>
-          <a:stretch>
-            <a:fillRect/>
-          </a:stretch>
+          <a:srcRect l="528" r="-528"/>
+          <a:stretch/>
         </p:blipFill>
         <p:spPr>
           <a:xfrm>
-            <a:off x="1919762" y="1464905"/>
-            <a:ext cx="10272237" cy="4831057"/>
+            <a:off x="1796046" y="1489481"/>
+            <a:ext cx="6814554" cy="4520793"/>
           </a:xfrm>
           <a:prstGeom prst="rect">
             <a:avLst/>
           </a:prstGeom>
         </p:spPr>
       </p:pic>
-      <p:sp>
-        <p:nvSpPr>
-          <p:cNvPr id="12" name="Title 1">
-            <a:extLst>
-              <a:ext uri="{FF2B5EF4-FFF2-40B4-BE49-F238E27FC236}">
-                <a16:creationId xmlns:a16="http://schemas.microsoft.com/office/drawing/2014/main" id="{074EE500-5BC6-C4F5-C47E-3116B2D53031}"/>
-              </a:ext>
-            </a:extLst>
-          </p:cNvPr>
-          <p:cNvSpPr>
-            <a:spLocks noGrp="1"/>
-          </p:cNvSpPr>
-          <p:nvPr>
-            <p:ph type="title"/>
-          </p:nvPr>
-        </p:nvSpPr>
-        <p:spPr>
-          <a:xfrm>
-            <a:off x="1772816" y="562038"/>
-            <a:ext cx="9171992" cy="743536"/>
-          </a:xfrm>
-        </p:spPr>
-        <p:txBody>
-          <a:bodyPr>
-            <a:normAutofit fontScale="90000"/>
-          </a:bodyPr>
-          <a:lstStyle/>
-          <a:p>
-            <a:r>
-              <a:rPr lang="en-GB" dirty="0"/>
-              <a:t>JLCPCB PCB ordering process using </a:t>
-            </a:r>
-            <a:r>
-              <a:rPr lang="en-GB" dirty="0" err="1"/>
-              <a:t>gerber</a:t>
-            </a:r>
-            <a:r>
-              <a:rPr lang="en-GB" dirty="0"/>
-              <a:t> file</a:t>
-            </a:r>
-            <a:endParaRPr lang="en-US" dirty="0"/>
-          </a:p>
-        </p:txBody>
-      </p:sp>
     </p:spTree>
     <p:extLst>
       <p:ext uri="{BB962C8B-B14F-4D97-AF65-F5344CB8AC3E}">
-        <p14:creationId xmlns:p14="http://schemas.microsoft.com/office/powerpoint/2010/main" val="744379741"/>
+        <p14:creationId xmlns:p14="http://schemas.microsoft.com/office/powerpoint/2010/main" val="2499669064"/>
       </p:ext>
     </p:extLst>
   </p:cSld>
@@ -11842,86 +11791,458 @@
           <a:chExt cx="0" cy="0"/>
         </a:xfrm>
       </p:grpSpPr>
+      <p:sp>
+        <p:nvSpPr>
+          <p:cNvPr id="2" name="Title 1">
+            <a:extLst>
+              <a:ext uri="{FF2B5EF4-FFF2-40B4-BE49-F238E27FC236}">
+                <a16:creationId xmlns:a16="http://schemas.microsoft.com/office/drawing/2014/main" id="{0A32731C-311B-46F7-A865-6C3AF6B09A47}"/>
+              </a:ext>
+            </a:extLst>
+          </p:cNvPr>
+          <p:cNvSpPr>
+            <a:spLocks noGrp="1"/>
+          </p:cNvSpPr>
+          <p:nvPr>
+            <p:ph type="title"/>
+          </p:nvPr>
+        </p:nvSpPr>
+        <p:spPr>
+          <a:xfrm>
+            <a:off x="1455575" y="136525"/>
+            <a:ext cx="8322907" cy="1019760"/>
+          </a:xfrm>
+        </p:spPr>
+        <p:txBody>
+          <a:bodyPr/>
+          <a:lstStyle/>
+          <a:p>
+            <a:r>
+              <a:rPr lang="en-GB" dirty="0"/>
+              <a:t>Other components used in the project</a:t>
+            </a:r>
+            <a:endParaRPr lang="en-US" dirty="0"/>
+          </a:p>
+        </p:txBody>
+      </p:sp>
       <p:pic>
         <p:nvPicPr>
-          <p:cNvPr id="46" name="Picture 45">
-            <a:extLst>
-              <a:ext uri="{FF2B5EF4-FFF2-40B4-BE49-F238E27FC236}">
-                <a16:creationId xmlns:a16="http://schemas.microsoft.com/office/drawing/2014/main" id="{3E2B3CD2-C09A-151A-FCB0-D01F3688BF6A}"/>
+          <p:cNvPr id="1026" name="Picture 2" descr="DHT22 / Temperature and humidity sensor (AM2302)">
+            <a:extLst>
+              <a:ext uri="{FF2B5EF4-FFF2-40B4-BE49-F238E27FC236}">
+                <a16:creationId xmlns:a16="http://schemas.microsoft.com/office/drawing/2014/main" id="{7ABDA150-FDFD-2DB1-57EF-76BF69113C80}"/>
               </a:ext>
             </a:extLst>
           </p:cNvPr>
           <p:cNvPicPr>
-            <a:picLocks noChangeAspect="1"/>
+            <a:picLocks noChangeAspect="1" noChangeArrowheads="1"/>
           </p:cNvPicPr>
           <p:nvPr/>
         </p:nvPicPr>
         <p:blipFill>
-          <a:blip r:embed="rId2"/>
+          <a:blip r:embed="rId2">
+            <a:extLst>
+              <a:ext uri="{28A0092B-C50C-407E-A947-70E740481C1C}">
+                <a14:useLocalDpi xmlns:a14="http://schemas.microsoft.com/office/drawing/2010/main" val="0"/>
+              </a:ext>
+            </a:extLst>
+          </a:blip>
+          <a:srcRect/>
           <a:stretch>
             <a:fillRect/>
           </a:stretch>
         </p:blipFill>
-        <p:spPr>
-          <a:xfrm>
-            <a:off x="1980843" y="163547"/>
-            <a:ext cx="8230313" cy="6530906"/>
+        <p:spPr bwMode="auto">
+          <a:xfrm>
+            <a:off x="1485023" y="2719156"/>
+            <a:ext cx="1673617" cy="1673617"/>
           </a:xfrm>
           <a:prstGeom prst="rect">
             <a:avLst/>
           </a:prstGeom>
+          <a:noFill/>
+          <a:extLst>
+            <a:ext uri="{909E8E84-426E-40DD-AFC4-6F175D3DCCD1}">
+              <a14:hiddenFill xmlns:a14="http://schemas.microsoft.com/office/drawing/2010/main">
+                <a:solidFill>
+                  <a:srgbClr val="FFFFFF"/>
+                </a:solidFill>
+              </a14:hiddenFill>
+            </a:ext>
+          </a:extLst>
         </p:spPr>
       </p:pic>
-      <p:sp>
-        <p:nvSpPr>
-          <p:cNvPr id="47" name="Title 1">
-            <a:extLst>
-              <a:ext uri="{FF2B5EF4-FFF2-40B4-BE49-F238E27FC236}">
-                <a16:creationId xmlns:a16="http://schemas.microsoft.com/office/drawing/2014/main" id="{64BCDA2B-67F8-1C9A-E87E-CBF7079EEB1F}"/>
-              </a:ext>
-            </a:extLst>
-          </p:cNvPr>
-          <p:cNvSpPr>
-            <a:spLocks noGrp="1"/>
-          </p:cNvSpPr>
-          <p:nvPr>
-            <p:ph type="title"/>
-          </p:nvPr>
-        </p:nvSpPr>
-        <p:spPr>
-          <a:xfrm>
-            <a:off x="1455575" y="136525"/>
-            <a:ext cx="8322907" cy="1019760"/>
-          </a:xfrm>
-        </p:spPr>
-        <p:txBody>
-          <a:bodyPr/>
+      <p:pic>
+        <p:nvPicPr>
+          <p:cNvPr id="1028" name="Picture 4" descr="Resistor - Wikipedia">
+            <a:extLst>
+              <a:ext uri="{FF2B5EF4-FFF2-40B4-BE49-F238E27FC236}">
+                <a16:creationId xmlns:a16="http://schemas.microsoft.com/office/drawing/2014/main" id="{9419C40D-84BC-C388-B259-39D92910F8D3}"/>
+              </a:ext>
+            </a:extLst>
+          </p:cNvPr>
+          <p:cNvPicPr>
+            <a:picLocks noChangeAspect="1" noChangeArrowheads="1"/>
+          </p:cNvPicPr>
+          <p:nvPr/>
+        </p:nvPicPr>
+        <p:blipFill>
+          <a:blip r:embed="rId3">
+            <a:extLst>
+              <a:ext uri="{28A0092B-C50C-407E-A947-70E740481C1C}">
+                <a14:useLocalDpi xmlns:a14="http://schemas.microsoft.com/office/drawing/2010/main" val="0"/>
+              </a:ext>
+            </a:extLst>
+          </a:blip>
+          <a:srcRect/>
+          <a:stretch>
+            <a:fillRect/>
+          </a:stretch>
+        </p:blipFill>
+        <p:spPr bwMode="auto">
+          <a:xfrm>
+            <a:off x="3706293" y="1446024"/>
+            <a:ext cx="3125755" cy="4465364"/>
+          </a:xfrm>
+          <a:prstGeom prst="rect">
+            <a:avLst/>
+          </a:prstGeom>
+          <a:noFill/>
+          <a:extLst>
+            <a:ext uri="{909E8E84-426E-40DD-AFC4-6F175D3DCCD1}">
+              <a14:hiddenFill xmlns:a14="http://schemas.microsoft.com/office/drawing/2010/main">
+                <a:solidFill>
+                  <a:srgbClr val="FFFFFF"/>
+                </a:solidFill>
+              </a14:hiddenFill>
+            </a:ext>
+          </a:extLst>
+        </p:spPr>
+      </p:pic>
+      <p:pic>
+        <p:nvPicPr>
+          <p:cNvPr id="1030" name="Picture 6">
+            <a:extLst>
+              <a:ext uri="{FF2B5EF4-FFF2-40B4-BE49-F238E27FC236}">
+                <a16:creationId xmlns:a16="http://schemas.microsoft.com/office/drawing/2014/main" id="{8440CF18-BB29-FA49-49A3-8D7F4A965063}"/>
+              </a:ext>
+            </a:extLst>
+          </p:cNvPr>
+          <p:cNvPicPr>
+            <a:picLocks noChangeAspect="1" noChangeArrowheads="1"/>
+          </p:cNvPicPr>
+          <p:nvPr/>
+        </p:nvPicPr>
+        <p:blipFill>
+          <a:blip r:embed="rId4">
+            <a:extLst>
+              <a:ext uri="{28A0092B-C50C-407E-A947-70E740481C1C}">
+                <a14:useLocalDpi xmlns:a14="http://schemas.microsoft.com/office/drawing/2010/main" val="0"/>
+              </a:ext>
+            </a:extLst>
+          </a:blip>
+          <a:srcRect/>
+          <a:stretch>
+            <a:fillRect/>
+          </a:stretch>
+        </p:blipFill>
+        <p:spPr bwMode="auto">
+          <a:xfrm>
+            <a:off x="8113625" y="1683458"/>
+            <a:ext cx="2876281" cy="2957744"/>
+          </a:xfrm>
+          <a:prstGeom prst="rect">
+            <a:avLst/>
+          </a:prstGeom>
+          <a:noFill/>
+          <a:extLst>
+            <a:ext uri="{909E8E84-426E-40DD-AFC4-6F175D3DCCD1}">
+              <a14:hiddenFill xmlns:a14="http://schemas.microsoft.com/office/drawing/2010/main">
+                <a:solidFill>
+                  <a:srgbClr val="FFFFFF"/>
+                </a:solidFill>
+              </a14:hiddenFill>
+            </a:ext>
+          </a:extLst>
+        </p:spPr>
+      </p:pic>
+      <p:pic>
+        <p:nvPicPr>
+          <p:cNvPr id="1032" name="Picture 8" descr="6x6x9mm Tact Push Button Switch, 4 Pin | ATO.com">
+            <a:extLst>
+              <a:ext uri="{FF2B5EF4-FFF2-40B4-BE49-F238E27FC236}">
+                <a16:creationId xmlns:a16="http://schemas.microsoft.com/office/drawing/2014/main" id="{E9DF0892-5F29-EB35-A7B0-B3BB08F07CD7}"/>
+              </a:ext>
+            </a:extLst>
+          </p:cNvPr>
+          <p:cNvPicPr>
+            <a:picLocks noChangeAspect="1" noChangeArrowheads="1"/>
+          </p:cNvPicPr>
+          <p:nvPr/>
+        </p:nvPicPr>
+        <p:blipFill>
+          <a:blip r:embed="rId5">
+            <a:extLst>
+              <a:ext uri="{28A0092B-C50C-407E-A947-70E740481C1C}">
+                <a14:useLocalDpi xmlns:a14="http://schemas.microsoft.com/office/drawing/2010/main" val="0"/>
+              </a:ext>
+            </a:extLst>
+          </a:blip>
+          <a:srcRect/>
+          <a:stretch>
+            <a:fillRect/>
+          </a:stretch>
+        </p:blipFill>
+        <p:spPr bwMode="auto">
+          <a:xfrm>
+            <a:off x="8703907" y="4076688"/>
+            <a:ext cx="2195707" cy="2195707"/>
+          </a:xfrm>
+          <a:prstGeom prst="rect">
+            <a:avLst/>
+          </a:prstGeom>
+          <a:noFill/>
+          <a:extLst>
+            <a:ext uri="{909E8E84-426E-40DD-AFC4-6F175D3DCCD1}">
+              <a14:hiddenFill xmlns:a14="http://schemas.microsoft.com/office/drawing/2010/main">
+                <a:solidFill>
+                  <a:srgbClr val="FFFFFF"/>
+                </a:solidFill>
+              </a14:hiddenFill>
+            </a:ext>
+          </a:extLst>
+        </p:spPr>
+      </p:pic>
+      <p:pic>
+        <p:nvPicPr>
+          <p:cNvPr id="1034" name="Picture 10" descr="Duracell CopperTop battery - 12 x 9V - alkaline - DUR01601 - Office Basics  - CDW.com">
+            <a:extLst>
+              <a:ext uri="{FF2B5EF4-FFF2-40B4-BE49-F238E27FC236}">
+                <a16:creationId xmlns:a16="http://schemas.microsoft.com/office/drawing/2014/main" id="{B44A3F33-37A1-876C-9E98-FFF78DF1AB06}"/>
+              </a:ext>
+            </a:extLst>
+          </p:cNvPr>
+          <p:cNvPicPr>
+            <a:picLocks noChangeAspect="1" noChangeArrowheads="1"/>
+          </p:cNvPicPr>
+          <p:nvPr/>
+        </p:nvPicPr>
+        <p:blipFill>
+          <a:blip r:embed="rId6">
+            <a:extLst>
+              <a:ext uri="{28A0092B-C50C-407E-A947-70E740481C1C}">
+                <a14:useLocalDpi xmlns:a14="http://schemas.microsoft.com/office/drawing/2010/main" val="0"/>
+              </a:ext>
+            </a:extLst>
+          </a:blip>
+          <a:srcRect/>
+          <a:stretch>
+            <a:fillRect/>
+          </a:stretch>
+        </p:blipFill>
+        <p:spPr bwMode="auto">
+          <a:xfrm>
+            <a:off x="1513194" y="4462645"/>
+            <a:ext cx="2524125" cy="1809750"/>
+          </a:xfrm>
+          <a:prstGeom prst="rect">
+            <a:avLst/>
+          </a:prstGeom>
+          <a:noFill/>
+          <a:extLst>
+            <a:ext uri="{909E8E84-426E-40DD-AFC4-6F175D3DCCD1}">
+              <a14:hiddenFill xmlns:a14="http://schemas.microsoft.com/office/drawing/2010/main">
+                <a:solidFill>
+                  <a:srgbClr val="FFFFFF"/>
+                </a:solidFill>
+              </a14:hiddenFill>
+            </a:ext>
+          </a:extLst>
+        </p:spPr>
+      </p:pic>
+      <p:sp>
+        <p:nvSpPr>
+          <p:cNvPr id="3" name="TextBox 2">
+            <a:extLst>
+              <a:ext uri="{FF2B5EF4-FFF2-40B4-BE49-F238E27FC236}">
+                <a16:creationId xmlns:a16="http://schemas.microsoft.com/office/drawing/2014/main" id="{F841464B-1BF5-3650-F1BA-0992A7BF2DF3}"/>
+              </a:ext>
+            </a:extLst>
+          </p:cNvPr>
+          <p:cNvSpPr txBox="1"/>
+          <p:nvPr/>
+        </p:nvSpPr>
+        <p:spPr>
+          <a:xfrm>
+            <a:off x="8462865" y="1821957"/>
+            <a:ext cx="508473" cy="276999"/>
+          </a:xfrm>
+          <a:prstGeom prst="rect">
+            <a:avLst/>
+          </a:prstGeom>
+          <a:noFill/>
+        </p:spPr>
+        <p:txBody>
+          <a:bodyPr wrap="none" rtlCol="0">
+            <a:spAutoFit/>
+          </a:bodyPr>
           <a:lstStyle/>
           <a:p>
             <a:r>
-              <a:rPr lang="en-GB" dirty="0"/>
-              <a:t>3d view of the 2-layer </a:t>
-            </a:r>
-            <a:r>
-              <a:rPr lang="en-GB" dirty="0" err="1"/>
-              <a:t>pcb</a:t>
-            </a:r>
-            <a:r>
-              <a:rPr lang="en-GB" dirty="0"/>
-              <a:t> on </a:t>
-            </a:r>
-            <a:r>
-              <a:rPr lang="en-GB" dirty="0" err="1"/>
-              <a:t>jlcpcb</a:t>
-            </a:r>
-            <a:endParaRPr lang="en-US" dirty="0"/>
+              <a:rPr lang="en-GB" sz="1200" dirty="0"/>
+              <a:t>LEDs</a:t>
+            </a:r>
+            <a:endParaRPr lang="en-US" sz="1200" dirty="0"/>
+          </a:p>
+        </p:txBody>
+      </p:sp>
+      <p:sp>
+        <p:nvSpPr>
+          <p:cNvPr id="4" name="TextBox 3">
+            <a:extLst>
+              <a:ext uri="{FF2B5EF4-FFF2-40B4-BE49-F238E27FC236}">
+                <a16:creationId xmlns:a16="http://schemas.microsoft.com/office/drawing/2014/main" id="{4123D1D3-A2B4-CDC7-721F-78F8D078864B}"/>
+              </a:ext>
+            </a:extLst>
+          </p:cNvPr>
+          <p:cNvSpPr txBox="1"/>
+          <p:nvPr/>
+        </p:nvSpPr>
+        <p:spPr>
+          <a:xfrm>
+            <a:off x="4152311" y="1544958"/>
+            <a:ext cx="774058" cy="276999"/>
+          </a:xfrm>
+          <a:prstGeom prst="rect">
+            <a:avLst/>
+          </a:prstGeom>
+          <a:noFill/>
+        </p:spPr>
+        <p:txBody>
+          <a:bodyPr wrap="none" rtlCol="0">
+            <a:spAutoFit/>
+          </a:bodyPr>
+          <a:lstStyle/>
+          <a:p>
+            <a:r>
+              <a:rPr lang="en-GB" sz="1200" dirty="0"/>
+              <a:t>Resistors</a:t>
+            </a:r>
+            <a:endParaRPr lang="en-US" sz="1200" dirty="0"/>
+          </a:p>
+        </p:txBody>
+      </p:sp>
+      <p:sp>
+        <p:nvSpPr>
+          <p:cNvPr id="5" name="TextBox 4">
+            <a:extLst>
+              <a:ext uri="{FF2B5EF4-FFF2-40B4-BE49-F238E27FC236}">
+                <a16:creationId xmlns:a16="http://schemas.microsoft.com/office/drawing/2014/main" id="{D7A90162-3ADD-1723-F4DF-80283C82CA4B}"/>
+              </a:ext>
+            </a:extLst>
+          </p:cNvPr>
+          <p:cNvSpPr txBox="1"/>
+          <p:nvPr/>
+        </p:nvSpPr>
+        <p:spPr>
+          <a:xfrm>
+            <a:off x="2321831" y="6201127"/>
+            <a:ext cx="670761" cy="276999"/>
+          </a:xfrm>
+          <a:prstGeom prst="rect">
+            <a:avLst/>
+          </a:prstGeom>
+          <a:noFill/>
+        </p:spPr>
+        <p:txBody>
+          <a:bodyPr wrap="none" rtlCol="0">
+            <a:spAutoFit/>
+          </a:bodyPr>
+          <a:lstStyle/>
+          <a:p>
+            <a:r>
+              <a:rPr lang="en-GB" sz="1200" dirty="0"/>
+              <a:t>Battery</a:t>
+            </a:r>
+            <a:endParaRPr lang="en-US" sz="1200" dirty="0"/>
+          </a:p>
+        </p:txBody>
+      </p:sp>
+      <p:sp>
+        <p:nvSpPr>
+          <p:cNvPr id="8" name="TextBox 7">
+            <a:extLst>
+              <a:ext uri="{FF2B5EF4-FFF2-40B4-BE49-F238E27FC236}">
+                <a16:creationId xmlns:a16="http://schemas.microsoft.com/office/drawing/2014/main" id="{9422B9AB-F4B8-A842-304C-331004F34BED}"/>
+              </a:ext>
+            </a:extLst>
+          </p:cNvPr>
+          <p:cNvSpPr txBox="1"/>
+          <p:nvPr/>
+        </p:nvSpPr>
+        <p:spPr>
+          <a:xfrm>
+            <a:off x="721567" y="2540074"/>
+            <a:ext cx="2920671" cy="276999"/>
+          </a:xfrm>
+          <a:prstGeom prst="rect">
+            <a:avLst/>
+          </a:prstGeom>
+          <a:noFill/>
+        </p:spPr>
+        <p:txBody>
+          <a:bodyPr wrap="none" rtlCol="0">
+            <a:spAutoFit/>
+          </a:bodyPr>
+          <a:lstStyle/>
+          <a:p>
+            <a:r>
+              <a:rPr lang="en-GB" sz="1200" dirty="0"/>
+              <a:t>DHT22 Temperature and Humidity Sensor</a:t>
+            </a:r>
+            <a:endParaRPr lang="en-US" sz="1200" dirty="0"/>
+          </a:p>
+        </p:txBody>
+      </p:sp>
+      <p:sp>
+        <p:nvSpPr>
+          <p:cNvPr id="9" name="TextBox 8">
+            <a:extLst>
+              <a:ext uri="{FF2B5EF4-FFF2-40B4-BE49-F238E27FC236}">
+                <a16:creationId xmlns:a16="http://schemas.microsoft.com/office/drawing/2014/main" id="{4DC37CC6-1B34-6779-6725-C9EBAE94B05B}"/>
+              </a:ext>
+            </a:extLst>
+          </p:cNvPr>
+          <p:cNvSpPr txBox="1"/>
+          <p:nvPr/>
+        </p:nvSpPr>
+        <p:spPr>
+          <a:xfrm>
+            <a:off x="9239179" y="6133895"/>
+            <a:ext cx="625171" cy="276999"/>
+          </a:xfrm>
+          <a:prstGeom prst="rect">
+            <a:avLst/>
+          </a:prstGeom>
+          <a:noFill/>
+        </p:spPr>
+        <p:txBody>
+          <a:bodyPr wrap="none" rtlCol="0">
+            <a:spAutoFit/>
+          </a:bodyPr>
+          <a:lstStyle/>
+          <a:p>
+            <a:r>
+              <a:rPr lang="en-GB" sz="1200" dirty="0"/>
+              <a:t>Switch</a:t>
+            </a:r>
           </a:p>
         </p:txBody>
       </p:sp>
     </p:spTree>
     <p:extLst>
       <p:ext uri="{BB962C8B-B14F-4D97-AF65-F5344CB8AC3E}">
-        <p14:creationId xmlns:p14="http://schemas.microsoft.com/office/powerpoint/2010/main" val="2619301236"/>
+        <p14:creationId xmlns:p14="http://schemas.microsoft.com/office/powerpoint/2010/main" val="2006139185"/>
       </p:ext>
     </p:extLst>
   </p:cSld>
@@ -11948,12 +12269,108 @@
           <a:chExt cx="0" cy="0"/>
         </a:xfrm>
       </p:grpSpPr>
+      <p:sp>
+        <p:nvSpPr>
+          <p:cNvPr id="2" name="Title 1">
+            <a:extLst>
+              <a:ext uri="{FF2B5EF4-FFF2-40B4-BE49-F238E27FC236}">
+                <a16:creationId xmlns:a16="http://schemas.microsoft.com/office/drawing/2014/main" id="{16C35D49-45E7-4A4E-8D76-DF30FFD183EC}"/>
+              </a:ext>
+            </a:extLst>
+          </p:cNvPr>
+          <p:cNvSpPr txBox="1">
+            <a:spLocks/>
+          </p:cNvSpPr>
+          <p:nvPr/>
+        </p:nvSpPr>
+        <p:spPr>
+          <a:xfrm>
+            <a:off x="0" y="18661"/>
+            <a:ext cx="8817428" cy="1019760"/>
+          </a:xfrm>
+          <a:prstGeom prst="rect">
+            <a:avLst/>
+          </a:prstGeom>
+        </p:spPr>
+        <p:txBody>
+          <a:bodyPr vert="horz" lIns="91440" tIns="45720" rIns="91440" bIns="45720" rtlCol="0" anchor="b">
+            <a:noAutofit/>
+          </a:bodyPr>
+          <a:lstStyle>
+            <a:lvl1pPr algn="l" defTabSz="914400" rtl="0" eaLnBrk="1" latinLnBrk="0" hangingPunct="1">
+              <a:lnSpc>
+                <a:spcPct val="90000"/>
+              </a:lnSpc>
+              <a:spcBef>
+                <a:spcPct val="0"/>
+              </a:spcBef>
+              <a:buNone/>
+              <a:defRPr sz="3600" kern="1200" cap="all" spc="150" baseline="0">
+                <a:solidFill>
+                  <a:schemeClr val="bg1"/>
+                </a:solidFill>
+                <a:latin typeface="+mj-lt"/>
+                <a:ea typeface="+mj-ea"/>
+                <a:cs typeface="+mj-cs"/>
+              </a:defRPr>
+            </a:lvl1pPr>
+          </a:lstStyle>
+          <a:p>
+            <a:r>
+              <a:rPr lang="en-GB" dirty="0"/>
+              <a:t>Web APP view on mobile phone</a:t>
+            </a:r>
+            <a:endParaRPr lang="en-US" dirty="0"/>
+          </a:p>
+        </p:txBody>
+      </p:sp>
+      <p:sp>
+        <p:nvSpPr>
+          <p:cNvPr id="4" name="TextBox 3">
+            <a:extLst>
+              <a:ext uri="{FF2B5EF4-FFF2-40B4-BE49-F238E27FC236}">
+                <a16:creationId xmlns:a16="http://schemas.microsoft.com/office/drawing/2014/main" id="{D764FBB2-58D3-2B78-6105-62D6E583C02E}"/>
+              </a:ext>
+            </a:extLst>
+          </p:cNvPr>
+          <p:cNvSpPr txBox="1"/>
+          <p:nvPr/>
+        </p:nvSpPr>
+        <p:spPr>
+          <a:xfrm>
+            <a:off x="2460950" y="6244126"/>
+            <a:ext cx="6190860" cy="369332"/>
+          </a:xfrm>
+          <a:prstGeom prst="rect">
+            <a:avLst/>
+          </a:prstGeom>
+          <a:noFill/>
+        </p:spPr>
+        <p:txBody>
+          <a:bodyPr wrap="square">
+            <a:spAutoFit/>
+          </a:bodyPr>
+          <a:lstStyle/>
+          <a:p>
+            <a:r>
+              <a:rPr lang="en-US" dirty="0">
+                <a:solidFill>
+                  <a:schemeClr val="bg1">
+                    <a:lumMod val="95000"/>
+                  </a:schemeClr>
+                </a:solidFill>
+              </a:rPr>
+              <a:t>https://sensor-client-kappa.vercel.app/</a:t>
+            </a:r>
+          </a:p>
+        </p:txBody>
+      </p:sp>
       <p:pic>
         <p:nvPicPr>
-          <p:cNvPr id="329" name="Picture 328">
-            <a:extLst>
-              <a:ext uri="{FF2B5EF4-FFF2-40B4-BE49-F238E27FC236}">
-                <a16:creationId xmlns:a16="http://schemas.microsoft.com/office/drawing/2014/main" id="{BB3622CA-49F9-6B0B-B456-F4390A2B98F0}"/>
+          <p:cNvPr id="6" name="Picture 5" descr="A screenshot of a weather report&#10;&#10;Description automatically generated">
+            <a:extLst>
+              <a:ext uri="{FF2B5EF4-FFF2-40B4-BE49-F238E27FC236}">
+                <a16:creationId xmlns:a16="http://schemas.microsoft.com/office/drawing/2014/main" id="{35B93F7C-F074-433D-9058-4B30A34B83B2}"/>
               </a:ext>
             </a:extLst>
           </p:cNvPr>
@@ -11970,91 +12387,18 @@
         </p:blipFill>
         <p:spPr>
           <a:xfrm>
-            <a:off x="3714541" y="205272"/>
-            <a:ext cx="4762918" cy="6503437"/>
+            <a:off x="7900784" y="52966"/>
+            <a:ext cx="3128000" cy="6778988"/>
           </a:xfrm>
           <a:prstGeom prst="rect">
             <a:avLst/>
           </a:prstGeom>
         </p:spPr>
       </p:pic>
-      <p:sp>
-        <p:nvSpPr>
-          <p:cNvPr id="330" name="Title 1">
-            <a:extLst>
-              <a:ext uri="{FF2B5EF4-FFF2-40B4-BE49-F238E27FC236}">
-                <a16:creationId xmlns:a16="http://schemas.microsoft.com/office/drawing/2014/main" id="{6378BCA1-E339-A03A-9C6B-0FFE43F15C30}"/>
-              </a:ext>
-            </a:extLst>
-          </p:cNvPr>
-          <p:cNvSpPr>
-            <a:spLocks noGrp="1"/>
-          </p:cNvSpPr>
-          <p:nvPr>
-            <p:ph type="title"/>
-          </p:nvPr>
-        </p:nvSpPr>
-        <p:spPr>
-          <a:xfrm rot="16200000">
-            <a:off x="47610" y="2947109"/>
-            <a:ext cx="6063941" cy="1019760"/>
-          </a:xfrm>
-        </p:spPr>
-        <p:txBody>
-          <a:bodyPr/>
-          <a:lstStyle/>
-          <a:p>
-            <a:r>
-              <a:rPr lang="en-GB" dirty="0"/>
-              <a:t>Firmware script </a:t>
-            </a:r>
-            <a:endParaRPr lang="en-US" dirty="0"/>
-          </a:p>
-        </p:txBody>
-      </p:sp>
-      <p:sp>
-        <p:nvSpPr>
-          <p:cNvPr id="332" name="TextBox 331">
-            <a:extLst>
-              <a:ext uri="{FF2B5EF4-FFF2-40B4-BE49-F238E27FC236}">
-                <a16:creationId xmlns:a16="http://schemas.microsoft.com/office/drawing/2014/main" id="{1039CB41-E1B4-1940-CD16-44F0A87A2347}"/>
-              </a:ext>
-            </a:extLst>
-          </p:cNvPr>
-          <p:cNvSpPr txBox="1"/>
-          <p:nvPr/>
-        </p:nvSpPr>
-        <p:spPr>
-          <a:xfrm rot="16200000">
-            <a:off x="617373" y="2974912"/>
-            <a:ext cx="4023827" cy="369332"/>
-          </a:xfrm>
-          <a:prstGeom prst="rect">
-            <a:avLst/>
-          </a:prstGeom>
-          <a:noFill/>
-        </p:spPr>
-        <p:txBody>
-          <a:bodyPr wrap="square">
-            <a:spAutoFit/>
-          </a:bodyPr>
-          <a:lstStyle/>
-          <a:p>
-            <a:pPr algn="l"/>
-            <a:r>
-              <a:rPr lang="en-US" b="0" i="0" dirty="0">
-                <a:effectLst/>
-                <a:latin typeface="-apple-system"/>
-              </a:rPr>
-              <a:t>https://github.com/ayo-ajayi/iot-sensor</a:t>
-            </a:r>
-          </a:p>
-        </p:txBody>
-      </p:sp>
     </p:spTree>
     <p:extLst>
       <p:ext uri="{BB962C8B-B14F-4D97-AF65-F5344CB8AC3E}">
-        <p14:creationId xmlns:p14="http://schemas.microsoft.com/office/powerpoint/2010/main" val="4055079983"/>
+        <p14:creationId xmlns:p14="http://schemas.microsoft.com/office/powerpoint/2010/main" val="511702197"/>
       </p:ext>
     </p:extLst>
   </p:cSld>
@@ -13228,18 +13572,18 @@
 <file path=customXml/itemProps3.xml><?xml version="1.0" encoding="utf-8"?>
 <ds:datastoreItem xmlns:ds="http://schemas.openxmlformats.org/officeDocument/2006/customXml" ds:itemID="{4CC7F809-A434-4A8D-A127-1C50C2DB3890}">
   <ds:schemaRefs>
-    <ds:schemaRef ds:uri="http://purl.org/dc/terms/"/>
     <ds:schemaRef ds:uri="http://purl.org/dc/dcmitype/"/>
-    <ds:schemaRef ds:uri="http://schemas.microsoft.com/office/2006/documentManagement/types"/>
+    <ds:schemaRef ds:uri="71af3243-3dd4-4a8d-8c0d-dd76da1f02a5"/>
     <ds:schemaRef ds:uri="http://purl.org/dc/elements/1.1/"/>
     <ds:schemaRef ds:uri="http://schemas.microsoft.com/office/infopath/2007/PartnerControls"/>
+    <ds:schemaRef ds:uri="http://schemas.microsoft.com/office/2006/metadata/properties"/>
+    <ds:schemaRef ds:uri="http://schemas.microsoft.com/office/2006/documentManagement/types"/>
+    <ds:schemaRef ds:uri="http://purl.org/dc/terms/"/>
     <ds:schemaRef ds:uri="http://schemas.microsoft.com/sharepoint/v3"/>
-    <ds:schemaRef ds:uri="http://schemas.microsoft.com/office/2006/metadata/properties"/>
+    <ds:schemaRef ds:uri="230e9df3-be65-4c73-a93b-d1236ebd677e"/>
     <ds:schemaRef ds:uri="http://schemas.openxmlformats.org/package/2006/metadata/core-properties"/>
+    <ds:schemaRef ds:uri="16c05727-aa75-4e4a-9b5f-8a80a1165891"/>
     <ds:schemaRef ds:uri="http://www.w3.org/XML/1998/namespace"/>
-    <ds:schemaRef ds:uri="230e9df3-be65-4c73-a93b-d1236ebd677e"/>
-    <ds:schemaRef ds:uri="16c05727-aa75-4e4a-9b5f-8a80a1165891"/>
-    <ds:schemaRef ds:uri="71af3243-3dd4-4a8d-8c0d-dd76da1f02a5"/>
   </ds:schemaRefs>
 </ds:datastoreItem>
 </file>
